--- a/מצגת אמצע.pptx
+++ b/מצגת אמצע.pptx
@@ -7,14 +7,17 @@
   <p:notesMasterIdLst>
     <p:notesMasterId r:id="rId11"/>
   </p:notesMasterIdLst>
+  <p:handoutMasterIdLst>
+    <p:handoutMasterId r:id="rId12"/>
+  </p:handoutMasterIdLst>
   <p:sldIdLst>
     <p:sldId id="256" r:id="rId2"/>
     <p:sldId id="257" r:id="rId3"/>
     <p:sldId id="258" r:id="rId4"/>
     <p:sldId id="259" r:id="rId5"/>
     <p:sldId id="260" r:id="rId6"/>
-    <p:sldId id="261" r:id="rId7"/>
-    <p:sldId id="262" r:id="rId8"/>
+    <p:sldId id="262" r:id="rId7"/>
+    <p:sldId id="266" r:id="rId8"/>
     <p:sldId id="264" r:id="rId9"/>
     <p:sldId id="265" r:id="rId10"/>
   </p:sldIdLst>
@@ -123,6 +126,200 @@
 </p:presentation>
 </file>
 
+<file path=ppt/handoutMasters/handoutMaster1.xml><?xml version="1.0" encoding="utf-8"?>
+<p:handoutMaster xmlns:a="http://schemas.openxmlformats.org/drawingml/2006/main" xmlns:r="http://schemas.openxmlformats.org/officeDocument/2006/relationships" xmlns:p="http://schemas.openxmlformats.org/presentationml/2006/main">
+  <p:cSld>
+    <p:bg>
+      <p:bgRef idx="1001">
+        <a:schemeClr val="bg1"/>
+      </p:bgRef>
+    </p:bg>
+    <p:spTree>
+      <p:nvGrpSpPr>
+        <p:cNvPr id="1" name=""/>
+        <p:cNvGrpSpPr/>
+        <p:nvPr/>
+      </p:nvGrpSpPr>
+      <p:grpSpPr>
+        <a:xfrm>
+          <a:off x="0" y="0"/>
+          <a:ext cx="0" cy="0"/>
+          <a:chOff x="0" y="0"/>
+          <a:chExt cx="0" cy="0"/>
+        </a:xfrm>
+      </p:grpSpPr>
+      <p:sp>
+        <p:nvSpPr>
+          <p:cNvPr id="2" name="Header Placeholder 1">
+            <a:extLst>
+              <a:ext uri="{FF2B5EF4-FFF2-40B4-BE49-F238E27FC236}">
+                <a16:creationId xmlns:a16="http://schemas.microsoft.com/office/drawing/2014/main" id="{E9046BA4-294C-1D4C-C56B-140C10EFBD1D}"/>
+              </a:ext>
+            </a:extLst>
+          </p:cNvPr>
+          <p:cNvSpPr>
+            <a:spLocks noGrp="1"/>
+          </p:cNvSpPr>
+          <p:nvPr>
+            <p:ph type="hdr" sz="quarter"/>
+          </p:nvPr>
+        </p:nvSpPr>
+        <p:spPr>
+          <a:xfrm>
+            <a:off x="0" y="0"/>
+            <a:ext cx="2971800" cy="458788"/>
+          </a:xfrm>
+          <a:prstGeom prst="rect">
+            <a:avLst/>
+          </a:prstGeom>
+        </p:spPr>
+        <p:txBody>
+          <a:bodyPr vert="horz" lIns="91440" tIns="45720" rIns="91440" bIns="45720" rtlCol="0"/>
+          <a:lstStyle>
+            <a:lvl1pPr algn="l">
+              <a:defRPr sz="1200"/>
+            </a:lvl1pPr>
+          </a:lstStyle>
+          <a:p>
+            <a:endParaRPr lang="LID4096"/>
+          </a:p>
+        </p:txBody>
+      </p:sp>
+      <p:sp>
+        <p:nvSpPr>
+          <p:cNvPr id="3" name="Date Placeholder 2">
+            <a:extLst>
+              <a:ext uri="{FF2B5EF4-FFF2-40B4-BE49-F238E27FC236}">
+                <a16:creationId xmlns:a16="http://schemas.microsoft.com/office/drawing/2014/main" id="{DE7B8D91-EA48-BB97-48FF-6C7544C6E039}"/>
+              </a:ext>
+            </a:extLst>
+          </p:cNvPr>
+          <p:cNvSpPr>
+            <a:spLocks noGrp="1"/>
+          </p:cNvSpPr>
+          <p:nvPr>
+            <p:ph type="dt" sz="quarter" idx="1"/>
+          </p:nvPr>
+        </p:nvSpPr>
+        <p:spPr>
+          <a:xfrm>
+            <a:off x="3884613" y="0"/>
+            <a:ext cx="2971800" cy="458788"/>
+          </a:xfrm>
+          <a:prstGeom prst="rect">
+            <a:avLst/>
+          </a:prstGeom>
+        </p:spPr>
+        <p:txBody>
+          <a:bodyPr vert="horz" lIns="91440" tIns="45720" rIns="91440" bIns="45720" rtlCol="0"/>
+          <a:lstStyle>
+            <a:lvl1pPr algn="r">
+              <a:defRPr sz="1200"/>
+            </a:lvl1pPr>
+          </a:lstStyle>
+          <a:p>
+            <a:fld id="{22C5F975-0AB6-4CF7-9890-DB5E3F94D873}" type="datetimeFigureOut">
+              <a:rPr lang="LID4096" smtClean="0"/>
+              <a:t>05/16/2024</a:t>
+            </a:fld>
+            <a:endParaRPr lang="LID4096"/>
+          </a:p>
+        </p:txBody>
+      </p:sp>
+      <p:sp>
+        <p:nvSpPr>
+          <p:cNvPr id="4" name="Footer Placeholder 3">
+            <a:extLst>
+              <a:ext uri="{FF2B5EF4-FFF2-40B4-BE49-F238E27FC236}">
+                <a16:creationId xmlns:a16="http://schemas.microsoft.com/office/drawing/2014/main" id="{F6CD6AF8-E563-B073-1B7F-DFF398D77C90}"/>
+              </a:ext>
+            </a:extLst>
+          </p:cNvPr>
+          <p:cNvSpPr>
+            <a:spLocks noGrp="1"/>
+          </p:cNvSpPr>
+          <p:nvPr>
+            <p:ph type="ftr" sz="quarter" idx="2"/>
+          </p:nvPr>
+        </p:nvSpPr>
+        <p:spPr>
+          <a:xfrm>
+            <a:off x="0" y="8685213"/>
+            <a:ext cx="2971800" cy="458787"/>
+          </a:xfrm>
+          <a:prstGeom prst="rect">
+            <a:avLst/>
+          </a:prstGeom>
+        </p:spPr>
+        <p:txBody>
+          <a:bodyPr vert="horz" lIns="91440" tIns="45720" rIns="91440" bIns="45720" rtlCol="0" anchor="b"/>
+          <a:lstStyle>
+            <a:lvl1pPr algn="l">
+              <a:defRPr sz="1200"/>
+            </a:lvl1pPr>
+          </a:lstStyle>
+          <a:p>
+            <a:r>
+              <a:rPr lang="en-US"/>
+              <a:t>Project Delivarables</a:t>
+            </a:r>
+            <a:endParaRPr lang="LID4096"/>
+          </a:p>
+        </p:txBody>
+      </p:sp>
+      <p:sp>
+        <p:nvSpPr>
+          <p:cNvPr id="5" name="Slide Number Placeholder 4">
+            <a:extLst>
+              <a:ext uri="{FF2B5EF4-FFF2-40B4-BE49-F238E27FC236}">
+                <a16:creationId xmlns:a16="http://schemas.microsoft.com/office/drawing/2014/main" id="{E04D81F4-B5F1-3D5B-A13A-7A431B968259}"/>
+              </a:ext>
+            </a:extLst>
+          </p:cNvPr>
+          <p:cNvSpPr>
+            <a:spLocks noGrp="1"/>
+          </p:cNvSpPr>
+          <p:nvPr>
+            <p:ph type="sldNum" sz="quarter" idx="3"/>
+          </p:nvPr>
+        </p:nvSpPr>
+        <p:spPr>
+          <a:xfrm>
+            <a:off x="3884613" y="8685213"/>
+            <a:ext cx="2971800" cy="458787"/>
+          </a:xfrm>
+          <a:prstGeom prst="rect">
+            <a:avLst/>
+          </a:prstGeom>
+        </p:spPr>
+        <p:txBody>
+          <a:bodyPr vert="horz" lIns="91440" tIns="45720" rIns="91440" bIns="45720" rtlCol="0" anchor="b"/>
+          <a:lstStyle>
+            <a:lvl1pPr algn="r">
+              <a:defRPr sz="1200"/>
+            </a:lvl1pPr>
+          </a:lstStyle>
+          <a:p>
+            <a:fld id="{46BAFAA2-8F39-4614-8D1B-C02B8A277DF8}" type="slidenum">
+              <a:rPr lang="LID4096" smtClean="0"/>
+              <a:t>‹#›</a:t>
+            </a:fld>
+            <a:endParaRPr lang="LID4096"/>
+          </a:p>
+        </p:txBody>
+      </p:sp>
+    </p:spTree>
+    <p:extLst>
+      <p:ext uri="{BB962C8B-B14F-4D97-AF65-F5344CB8AC3E}">
+        <p14:creationId xmlns:p14="http://schemas.microsoft.com/office/powerpoint/2010/main" val="1813173772"/>
+      </p:ext>
+    </p:extLst>
+  </p:cSld>
+  <p:clrMap bg1="lt1" tx1="dk1" bg2="lt2" tx2="dk2" accent1="accent1" accent2="accent2" accent3="accent3" accent4="accent4" accent5="accent5" accent6="accent6" hlink="hlink" folHlink="folHlink"/>
+  <p:hf hdr="0" dt="0"/>
+</p:handoutMaster>
+</file>
+
 <file path=ppt/notesMasters/notesMaster1.xml><?xml version="1.0" encoding="utf-8"?>
 <p:notesMaster xmlns:a="http://schemas.openxmlformats.org/drawingml/2006/main" xmlns:r="http://schemas.openxmlformats.org/officeDocument/2006/relationships" xmlns:p="http://schemas.openxmlformats.org/presentationml/2006/main">
   <p:cSld>
@@ -205,7 +402,7 @@
           <a:p>
             <a:fld id="{45D7EAF2-B178-4B57-B077-F3F466FF4CB4}" type="datetimeFigureOut">
               <a:rPr lang="LID4096" smtClean="0"/>
-              <a:t>05/13/2024</a:t>
+              <a:t>05/16/2024</a:t>
             </a:fld>
             <a:endParaRPr lang="LID4096"/>
           </a:p>
@@ -331,6 +528,10 @@
             </a:lvl1pPr>
           </a:lstStyle>
           <a:p>
+            <a:r>
+              <a:rPr lang="en-US"/>
+              <a:t>Project Delivarables</a:t>
+            </a:r>
             <a:endParaRPr lang="LID4096"/>
           </a:p>
         </p:txBody>
@@ -378,6 +579,7 @@
     </p:extLst>
   </p:cSld>
   <p:clrMap bg1="lt1" tx1="dk1" bg2="lt2" tx2="dk2" accent1="accent1" accent2="accent2" accent3="accent3" accent4="accent4" accent5="accent5" accent6="accent6" hlink="hlink" folHlink="folHlink"/>
+  <p:hf hdr="0" dt="0"/>
   <p:notesStyle>
     <a:lvl1pPr marL="0" algn="l" defTabSz="914400" rtl="0" eaLnBrk="1" latinLnBrk="0" hangingPunct="1">
       <a:defRPr sz="1200" kern="1200">
@@ -544,6 +746,35 @@
           </a:p>
         </p:txBody>
       </p:sp>
+      <p:sp>
+        <p:nvSpPr>
+          <p:cNvPr id="5" name="Footer Placeholder 4">
+            <a:extLst>
+              <a:ext uri="{FF2B5EF4-FFF2-40B4-BE49-F238E27FC236}">
+                <a16:creationId xmlns:a16="http://schemas.microsoft.com/office/drawing/2014/main" id="{D4C599F2-7789-13CF-9070-41E9D4E6E365}"/>
+              </a:ext>
+            </a:extLst>
+          </p:cNvPr>
+          <p:cNvSpPr>
+            <a:spLocks noGrp="1"/>
+          </p:cNvSpPr>
+          <p:nvPr>
+            <p:ph type="ftr" sz="quarter" idx="4"/>
+          </p:nvPr>
+        </p:nvSpPr>
+        <p:spPr/>
+        <p:txBody>
+          <a:bodyPr/>
+          <a:lstStyle/>
+          <a:p>
+            <a:r>
+              <a:rPr lang="en-US"/>
+              <a:t>Project Delivarables</a:t>
+            </a:r>
+            <a:endParaRPr lang="LID4096"/>
+          </a:p>
+        </p:txBody>
+      </p:sp>
     </p:spTree>
     <p:extLst>
       <p:ext uri="{BB962C8B-B14F-4D97-AF65-F5344CB8AC3E}">
@@ -671,6 +902,35 @@
           </a:p>
         </p:txBody>
       </p:sp>
+      <p:sp>
+        <p:nvSpPr>
+          <p:cNvPr id="5" name="Footer Placeholder 4">
+            <a:extLst>
+              <a:ext uri="{FF2B5EF4-FFF2-40B4-BE49-F238E27FC236}">
+                <a16:creationId xmlns:a16="http://schemas.microsoft.com/office/drawing/2014/main" id="{8163204C-9B02-A610-C898-0628156B8808}"/>
+              </a:ext>
+            </a:extLst>
+          </p:cNvPr>
+          <p:cNvSpPr>
+            <a:spLocks noGrp="1"/>
+          </p:cNvSpPr>
+          <p:nvPr>
+            <p:ph type="ftr" sz="quarter" idx="4"/>
+          </p:nvPr>
+        </p:nvSpPr>
+        <p:spPr/>
+        <p:txBody>
+          <a:bodyPr/>
+          <a:lstStyle/>
+          <a:p>
+            <a:r>
+              <a:rPr lang="en-US"/>
+              <a:t>Project Delivarables</a:t>
+            </a:r>
+            <a:endParaRPr lang="LID4096"/>
+          </a:p>
+        </p:txBody>
+      </p:sp>
     </p:spTree>
     <p:extLst>
       <p:ext uri="{BB962C8B-B14F-4D97-AF65-F5344CB8AC3E}">
@@ -728,6 +988,113 @@
           <a:bodyPr/>
           <a:lstStyle/>
           <a:p>
+            <a:endParaRPr lang="LID4096" dirty="0"/>
+          </a:p>
+        </p:txBody>
+      </p:sp>
+      <p:sp>
+        <p:nvSpPr>
+          <p:cNvPr id="4" name="Footer Placeholder 3"/>
+          <p:cNvSpPr>
+            <a:spLocks noGrp="1"/>
+          </p:cNvSpPr>
+          <p:nvPr>
+            <p:ph type="ftr" sz="quarter" idx="4"/>
+          </p:nvPr>
+        </p:nvSpPr>
+        <p:spPr/>
+        <p:txBody>
+          <a:bodyPr/>
+          <a:lstStyle/>
+          <a:p>
+            <a:r>
+              <a:rPr lang="en-US"/>
+              <a:t>Project Delivarables</a:t>
+            </a:r>
+            <a:endParaRPr lang="LID4096"/>
+          </a:p>
+        </p:txBody>
+      </p:sp>
+      <p:sp>
+        <p:nvSpPr>
+          <p:cNvPr id="5" name="Slide Number Placeholder 4"/>
+          <p:cNvSpPr>
+            <a:spLocks noGrp="1"/>
+          </p:cNvSpPr>
+          <p:nvPr>
+            <p:ph type="sldNum" sz="quarter" idx="5"/>
+          </p:nvPr>
+        </p:nvSpPr>
+        <p:spPr/>
+        <p:txBody>
+          <a:bodyPr/>
+          <a:lstStyle/>
+          <a:p>
+            <a:fld id="{F2F16E2B-0413-48EB-94F9-08BF696959A7}" type="slidenum">
+              <a:rPr lang="LID4096" smtClean="0"/>
+              <a:t>3</a:t>
+            </a:fld>
+            <a:endParaRPr lang="LID4096"/>
+          </a:p>
+        </p:txBody>
+      </p:sp>
+    </p:spTree>
+    <p:extLst>
+      <p:ext uri="{BB962C8B-B14F-4D97-AF65-F5344CB8AC3E}">
+        <p14:creationId xmlns:p14="http://schemas.microsoft.com/office/powerpoint/2010/main" val="1263670794"/>
+      </p:ext>
+    </p:extLst>
+  </p:cSld>
+  <p:clrMapOvr>
+    <a:masterClrMapping/>
+  </p:clrMapOvr>
+</p:notes>
+</file>
+
+<file path=ppt/notesSlides/notesSlide4.xml><?xml version="1.0" encoding="utf-8"?>
+<p:notes xmlns:a="http://schemas.openxmlformats.org/drawingml/2006/main" xmlns:r="http://schemas.openxmlformats.org/officeDocument/2006/relationships" xmlns:p="http://schemas.openxmlformats.org/presentationml/2006/main">
+  <p:cSld>
+    <p:spTree>
+      <p:nvGrpSpPr>
+        <p:cNvPr id="1" name=""/>
+        <p:cNvGrpSpPr/>
+        <p:nvPr/>
+      </p:nvGrpSpPr>
+      <p:grpSpPr>
+        <a:xfrm>
+          <a:off x="0" y="0"/>
+          <a:ext cx="0" cy="0"/>
+          <a:chOff x="0" y="0"/>
+          <a:chExt cx="0" cy="0"/>
+        </a:xfrm>
+      </p:grpSpPr>
+      <p:sp>
+        <p:nvSpPr>
+          <p:cNvPr id="2" name="Slide Image Placeholder 1"/>
+          <p:cNvSpPr>
+            <a:spLocks noGrp="1" noRot="1" noChangeAspect="1"/>
+          </p:cNvSpPr>
+          <p:nvPr>
+            <p:ph type="sldImg"/>
+          </p:nvPr>
+        </p:nvSpPr>
+        <p:spPr/>
+      </p:sp>
+      <p:sp>
+        <p:nvSpPr>
+          <p:cNvPr id="3" name="Notes Placeholder 2"/>
+          <p:cNvSpPr>
+            <a:spLocks noGrp="1"/>
+          </p:cNvSpPr>
+          <p:nvPr>
+            <p:ph type="body" idx="1"/>
+          </p:nvPr>
+        </p:nvSpPr>
+        <p:spPr/>
+        <p:txBody>
+          <a:bodyPr/>
+          <a:lstStyle/>
+          <a:p>
             <a:r>
               <a:rPr lang="en-US" dirty="0"/>
               <a:t>In the left case the center of the ball is the reported location. In the right case the center of the ring is the driver’s location. We assume that the distribution of the noised locations is the same as the distribution of locations so we can use bayes rule to find the PDF of the passenger location.</a:t>
@@ -753,8 +1120,37 @@
           <a:p>
             <a:fld id="{F2F16E2B-0413-48EB-94F9-08BF696959A7}" type="slidenum">
               <a:rPr lang="LID4096" smtClean="0"/>
-              <a:t>7</a:t>
+              <a:t>6</a:t>
             </a:fld>
+            <a:endParaRPr lang="LID4096"/>
+          </a:p>
+        </p:txBody>
+      </p:sp>
+      <p:sp>
+        <p:nvSpPr>
+          <p:cNvPr id="5" name="Footer Placeholder 4">
+            <a:extLst>
+              <a:ext uri="{FF2B5EF4-FFF2-40B4-BE49-F238E27FC236}">
+                <a16:creationId xmlns:a16="http://schemas.microsoft.com/office/drawing/2014/main" id="{7ACA1EA6-1E7A-F2DB-B72E-CEEEAB241F40}"/>
+              </a:ext>
+            </a:extLst>
+          </p:cNvPr>
+          <p:cNvSpPr>
+            <a:spLocks noGrp="1"/>
+          </p:cNvSpPr>
+          <p:nvPr>
+            <p:ph type="ftr" sz="quarter" idx="4"/>
+          </p:nvPr>
+        </p:nvSpPr>
+        <p:spPr/>
+        <p:txBody>
+          <a:bodyPr/>
+          <a:lstStyle/>
+          <a:p>
+            <a:r>
+              <a:rPr lang="en-US"/>
+              <a:t>Project Delivarables</a:t>
+            </a:r>
             <a:endParaRPr lang="LID4096"/>
           </a:p>
         </p:txBody>
@@ -763,6 +1159,113 @@
     <p:extLst>
       <p:ext uri="{BB962C8B-B14F-4D97-AF65-F5344CB8AC3E}">
         <p14:creationId xmlns:p14="http://schemas.microsoft.com/office/powerpoint/2010/main" val="1944235806"/>
+      </p:ext>
+    </p:extLst>
+  </p:cSld>
+  <p:clrMapOvr>
+    <a:masterClrMapping/>
+  </p:clrMapOvr>
+</p:notes>
+</file>
+
+<file path=ppt/notesSlides/notesSlide5.xml><?xml version="1.0" encoding="utf-8"?>
+<p:notes xmlns:a="http://schemas.openxmlformats.org/drawingml/2006/main" xmlns:r="http://schemas.openxmlformats.org/officeDocument/2006/relationships" xmlns:p="http://schemas.openxmlformats.org/presentationml/2006/main">
+  <p:cSld>
+    <p:spTree>
+      <p:nvGrpSpPr>
+        <p:cNvPr id="1" name=""/>
+        <p:cNvGrpSpPr/>
+        <p:nvPr/>
+      </p:nvGrpSpPr>
+      <p:grpSpPr>
+        <a:xfrm>
+          <a:off x="0" y="0"/>
+          <a:ext cx="0" cy="0"/>
+          <a:chOff x="0" y="0"/>
+          <a:chExt cx="0" cy="0"/>
+        </a:xfrm>
+      </p:grpSpPr>
+      <p:sp>
+        <p:nvSpPr>
+          <p:cNvPr id="2" name="Slide Image Placeholder 1"/>
+          <p:cNvSpPr>
+            <a:spLocks noGrp="1" noRot="1" noChangeAspect="1"/>
+          </p:cNvSpPr>
+          <p:nvPr>
+            <p:ph type="sldImg"/>
+          </p:nvPr>
+        </p:nvSpPr>
+        <p:spPr/>
+      </p:sp>
+      <p:sp>
+        <p:nvSpPr>
+          <p:cNvPr id="3" name="Notes Placeholder 2"/>
+          <p:cNvSpPr>
+            <a:spLocks noGrp="1"/>
+          </p:cNvSpPr>
+          <p:nvPr>
+            <p:ph type="body" idx="1"/>
+          </p:nvPr>
+        </p:nvSpPr>
+        <p:spPr/>
+        <p:txBody>
+          <a:bodyPr/>
+          <a:lstStyle/>
+          <a:p>
+            <a:endParaRPr lang="LID4096" dirty="0"/>
+          </a:p>
+        </p:txBody>
+      </p:sp>
+      <p:sp>
+        <p:nvSpPr>
+          <p:cNvPr id="4" name="Footer Placeholder 3"/>
+          <p:cNvSpPr>
+            <a:spLocks noGrp="1"/>
+          </p:cNvSpPr>
+          <p:nvPr>
+            <p:ph type="ftr" sz="quarter" idx="4"/>
+          </p:nvPr>
+        </p:nvSpPr>
+        <p:spPr/>
+        <p:txBody>
+          <a:bodyPr/>
+          <a:lstStyle/>
+          <a:p>
+            <a:r>
+              <a:rPr lang="en-US"/>
+              <a:t>Project Delivarables</a:t>
+            </a:r>
+            <a:endParaRPr lang="LID4096"/>
+          </a:p>
+        </p:txBody>
+      </p:sp>
+      <p:sp>
+        <p:nvSpPr>
+          <p:cNvPr id="5" name="Slide Number Placeholder 4"/>
+          <p:cNvSpPr>
+            <a:spLocks noGrp="1"/>
+          </p:cNvSpPr>
+          <p:nvPr>
+            <p:ph type="sldNum" sz="quarter" idx="5"/>
+          </p:nvPr>
+        </p:nvSpPr>
+        <p:spPr/>
+        <p:txBody>
+          <a:bodyPr/>
+          <a:lstStyle/>
+          <a:p>
+            <a:fld id="{F2F16E2B-0413-48EB-94F9-08BF696959A7}" type="slidenum">
+              <a:rPr lang="LID4096" smtClean="0"/>
+              <a:t>9</a:t>
+            </a:fld>
+            <a:endParaRPr lang="LID4096"/>
+          </a:p>
+        </p:txBody>
+      </p:sp>
+    </p:spTree>
+    <p:extLst>
+      <p:ext uri="{BB962C8B-B14F-4D97-AF65-F5344CB8AC3E}">
+        <p14:creationId xmlns:p14="http://schemas.microsoft.com/office/powerpoint/2010/main" val="1758824838"/>
       </p:ext>
     </p:extLst>
   </p:cSld>
@@ -928,7 +1431,7 @@
           <a:p>
             <a:fld id="{02AC24A9-CCB6-4F8D-B8DB-C2F3692CFA5A}" type="datetimeFigureOut">
               <a:rPr lang="en-US" smtClean="0"/>
-              <a:t>5/13/2024</a:t>
+              <a:t>5/16/2024</a:t>
             </a:fld>
             <a:endParaRPr lang="en-US" dirty="0"/>
           </a:p>
@@ -1298,7 +1801,7 @@
           <a:p>
             <a:fld id="{02AC24A9-CCB6-4F8D-B8DB-C2F3692CFA5A}" type="datetimeFigureOut">
               <a:rPr lang="en-US" smtClean="0"/>
-              <a:t>5/13/2024</a:t>
+              <a:t>5/16/2024</a:t>
             </a:fld>
             <a:endParaRPr lang="en-US"/>
           </a:p>
@@ -1507,7 +2010,7 @@
           <a:p>
             <a:fld id="{02AC24A9-CCB6-4F8D-B8DB-C2F3692CFA5A}" type="datetimeFigureOut">
               <a:rPr lang="en-US" smtClean="0"/>
-              <a:t>5/13/2024</a:t>
+              <a:t>5/16/2024</a:t>
             </a:fld>
             <a:endParaRPr lang="en-US"/>
           </a:p>
@@ -1977,7 +2480,7 @@
           <a:p>
             <a:fld id="{02AC24A9-CCB6-4F8D-B8DB-C2F3692CFA5A}" type="datetimeFigureOut">
               <a:rPr lang="en-US" smtClean="0"/>
-              <a:t>5/13/2024</a:t>
+              <a:t>5/16/2024</a:t>
             </a:fld>
             <a:endParaRPr lang="en-US"/>
           </a:p>
@@ -2431,7 +2934,7 @@
           <a:p>
             <a:fld id="{02AC24A9-CCB6-4F8D-B8DB-C2F3692CFA5A}" type="datetimeFigureOut">
               <a:rPr lang="en-US" smtClean="0"/>
-              <a:t>5/13/2024</a:t>
+              <a:t>5/16/2024</a:t>
             </a:fld>
             <a:endParaRPr lang="en-US"/>
           </a:p>
@@ -2963,7 +3466,7 @@
           <a:p>
             <a:fld id="{02AC24A9-CCB6-4F8D-B8DB-C2F3692CFA5A}" type="datetimeFigureOut">
               <a:rPr lang="en-US" smtClean="0"/>
-              <a:t>5/13/2024</a:t>
+              <a:t>5/16/2024</a:t>
             </a:fld>
             <a:endParaRPr lang="en-US"/>
           </a:p>
@@ -3662,7 +4165,7 @@
           <a:p>
             <a:fld id="{02AC24A9-CCB6-4F8D-B8DB-C2F3692CFA5A}" type="datetimeFigureOut">
               <a:rPr lang="en-US" smtClean="0"/>
-              <a:t>5/13/2024</a:t>
+              <a:t>5/16/2024</a:t>
             </a:fld>
             <a:endParaRPr lang="en-US"/>
           </a:p>
@@ -3991,7 +4494,7 @@
           <a:p>
             <a:fld id="{02AC24A9-CCB6-4F8D-B8DB-C2F3692CFA5A}" type="datetimeFigureOut">
               <a:rPr lang="en-US" smtClean="0"/>
-              <a:t>5/13/2024</a:t>
+              <a:t>5/16/2024</a:t>
             </a:fld>
             <a:endParaRPr lang="en-US"/>
           </a:p>
@@ -4104,7 +4607,7 @@
           <a:p>
             <a:fld id="{02AC24A9-CCB6-4F8D-B8DB-C2F3692CFA5A}" type="datetimeFigureOut">
               <a:rPr lang="en-US" smtClean="0"/>
-              <a:t>5/13/2024</a:t>
+              <a:t>5/16/2024</a:t>
             </a:fld>
             <a:endParaRPr lang="en-US"/>
           </a:p>
@@ -4599,7 +5102,7 @@
           <a:p>
             <a:fld id="{02AC24A9-CCB6-4F8D-B8DB-C2F3692CFA5A}" type="datetimeFigureOut">
               <a:rPr lang="en-US" smtClean="0"/>
-              <a:t>5/13/2024</a:t>
+              <a:t>5/16/2024</a:t>
             </a:fld>
             <a:endParaRPr lang="en-US" dirty="0"/>
           </a:p>
@@ -5076,7 +5579,7 @@
           <a:p>
             <a:fld id="{02AC24A9-CCB6-4F8D-B8DB-C2F3692CFA5A}" type="datetimeFigureOut">
               <a:rPr lang="en-US" smtClean="0"/>
-              <a:t>5/13/2024</a:t>
+              <a:t>5/16/2024</a:t>
             </a:fld>
             <a:endParaRPr lang="en-US"/>
           </a:p>
@@ -5319,7 +5822,7 @@
           <a:p>
             <a:fld id="{02AC24A9-CCB6-4F8D-B8DB-C2F3692CFA5A}" type="datetimeFigureOut">
               <a:rPr lang="en-US" smtClean="0"/>
-              <a:t>5/13/2024</a:t>
+              <a:t>5/16/2024</a:t>
             </a:fld>
             <a:endParaRPr lang="en-US"/>
           </a:p>
@@ -6104,7 +6607,7 @@
         </p:spPr>
         <p:txBody>
           <a:bodyPr anchor="t">
-            <a:normAutofit lnSpcReduction="10000"/>
+            <a:normAutofit/>
           </a:bodyPr>
           <a:lstStyle/>
           <a:p>
@@ -6116,12 +6619,9 @@
               <a:rPr lang="en-US" sz="2000" dirty="0" err="1"/>
               <a:t>Kaninin</a:t>
             </a:r>
-            <a:endParaRPr lang="en-US" sz="2000" dirty="0"/>
-          </a:p>
-          <a:p>
             <a:r>
               <a:rPr lang="en-US" sz="2000" dirty="0"/>
-              <a:t>Jonathan Yaffe</a:t>
+              <a:t>, Jonathan Yaffe</a:t>
             </a:r>
           </a:p>
           <a:p>
@@ -6444,7 +6944,7 @@
           <a:p>
             <a:fld id="{EF352739-273F-4728-8B1A-480EEBF683AC}" type="datetime1">
               <a:rPr lang="en-US" sz="1600" smtClean="0"/>
-              <a:t>5/13/2024</a:t>
+              <a:t>5/16/2024</a:t>
             </a:fld>
             <a:endParaRPr lang="en-US" dirty="0"/>
           </a:p>
@@ -6503,7 +7003,7 @@
           <a:p>
             <a:r>
               <a:rPr lang="en-US" dirty="0"/>
-              <a:t>Project Topic – Private ride sharing</a:t>
+              <a:t>Private Ride Sharing</a:t>
             </a:r>
             <a:endParaRPr lang="LID4096" dirty="0"/>
           </a:p>
@@ -6539,11 +7039,39 @@
         </p:blipFill>
         <p:spPr>
           <a:xfrm>
-            <a:off x="3840462" y="2079171"/>
-            <a:ext cx="4511076" cy="4434095"/>
+            <a:off x="4038600" y="2131227"/>
+            <a:ext cx="4114800" cy="4044581"/>
           </a:xfrm>
         </p:spPr>
       </p:pic>
+      <p:sp>
+        <p:nvSpPr>
+          <p:cNvPr id="6" name="Footer Placeholder 5">
+            <a:extLst>
+              <a:ext uri="{FF2B5EF4-FFF2-40B4-BE49-F238E27FC236}">
+                <a16:creationId xmlns:a16="http://schemas.microsoft.com/office/drawing/2014/main" id="{1762D3E7-222B-22C0-A642-92926807BCD7}"/>
+              </a:ext>
+            </a:extLst>
+          </p:cNvPr>
+          <p:cNvSpPr>
+            <a:spLocks noGrp="1"/>
+          </p:cNvSpPr>
+          <p:nvPr>
+            <p:ph type="ftr" sz="quarter" idx="11"/>
+          </p:nvPr>
+        </p:nvSpPr>
+        <p:spPr/>
+        <p:txBody>
+          <a:bodyPr/>
+          <a:lstStyle/>
+          <a:p>
+            <a:r>
+              <a:rPr lang="en-US"/>
+              <a:t>Project Topic</a:t>
+            </a:r>
+          </a:p>
+        </p:txBody>
+      </p:sp>
     </p:spTree>
     <p:extLst>
       <p:ext uri="{BB962C8B-B14F-4D97-AF65-F5344CB8AC3E}">
@@ -6597,7 +7125,7 @@
           <a:p>
             <a:r>
               <a:rPr lang="en-US" dirty="0"/>
-              <a:t>Project key points</a:t>
+              <a:t>Project Formulation and Goals</a:t>
             </a:r>
             <a:endParaRPr lang="LID4096" dirty="0"/>
           </a:p>
@@ -6632,7 +7160,7 @@
                 <a:ea typeface="+mj-ea"/>
                 <a:cs typeface="+mj-cs"/>
               </a:rPr>
-              <a:t>The Matching Problem in Ride-Sharing</a:t>
+              <a:t>Ride-Sharing as a matching problem with the sum of pickup times as the performance measure</a:t>
             </a:r>
           </a:p>
           <a:p>
@@ -6642,7 +7170,7 @@
                 <a:ea typeface="+mj-ea"/>
                 <a:cs typeface="+mj-cs"/>
               </a:rPr>
-              <a:t>Uncertainty and Privacy Concerns</a:t>
+              <a:t>Location uncertainty guarantees privacy</a:t>
             </a:r>
           </a:p>
           <a:p>
@@ -6652,33 +7180,36 @@
                 <a:ea typeface="+mj-ea"/>
                 <a:cs typeface="+mj-cs"/>
               </a:rPr>
-              <a:t>Simulation Environment</a:t>
-            </a:r>
-          </a:p>
-          <a:p>
-            <a:r>
-              <a:rPr lang="en-US" sz="3200" dirty="0">
-                <a:latin typeface="+mj-lt"/>
-                <a:ea typeface="+mj-ea"/>
-                <a:cs typeface="+mj-cs"/>
-              </a:rPr>
-              <a:t>Privacy and Performance Trade-offs</a:t>
-            </a:r>
-          </a:p>
-          <a:p>
-            <a:r>
-              <a:rPr lang="en-US" sz="3200" dirty="0">
-                <a:latin typeface="+mj-lt"/>
-                <a:ea typeface="+mj-ea"/>
-                <a:cs typeface="+mj-cs"/>
-              </a:rPr>
-              <a:t>Performance Evaluation</a:t>
-            </a:r>
-            <a:endParaRPr lang="LID4096" sz="3200" dirty="0">
-              <a:latin typeface="+mj-lt"/>
-              <a:ea typeface="+mj-ea"/>
-              <a:cs typeface="+mj-cs"/>
-            </a:endParaRPr>
+              <a:t>Location uncertainty deteriorates performance</a:t>
+            </a:r>
+          </a:p>
+        </p:txBody>
+      </p:sp>
+      <p:sp>
+        <p:nvSpPr>
+          <p:cNvPr id="6" name="Footer Placeholder 5">
+            <a:extLst>
+              <a:ext uri="{FF2B5EF4-FFF2-40B4-BE49-F238E27FC236}">
+                <a16:creationId xmlns:a16="http://schemas.microsoft.com/office/drawing/2014/main" id="{DA9FBD79-F4BC-A96C-479A-00CCCF94370E}"/>
+              </a:ext>
+            </a:extLst>
+          </p:cNvPr>
+          <p:cNvSpPr>
+            <a:spLocks noGrp="1"/>
+          </p:cNvSpPr>
+          <p:nvPr>
+            <p:ph type="ftr" sz="quarter" idx="11"/>
+          </p:nvPr>
+        </p:nvSpPr>
+        <p:spPr/>
+        <p:txBody>
+          <a:bodyPr/>
+          <a:lstStyle/>
+          <a:p>
+            <a:r>
+              <a:rPr lang="en-US"/>
+              <a:t>Project Topic</a:t>
+            </a:r>
           </a:p>
         </p:txBody>
       </p:sp>
@@ -6740,7 +7271,7 @@
           <a:p>
             <a:r>
               <a:rPr lang="en-US" dirty="0"/>
-              <a:t>Project  Requirements and Deliverables</a:t>
+              <a:t>Project Requirements and Deliverables</a:t>
             </a:r>
             <a:endParaRPr lang="LID4096" dirty="0"/>
           </a:p>
@@ -6764,36 +7295,81 @@
         </p:nvSpPr>
         <p:spPr/>
         <p:txBody>
+          <a:bodyPr>
+            <a:normAutofit/>
+          </a:bodyPr>
+          <a:lstStyle/>
+          <a:p>
+            <a:r>
+              <a:rPr lang="en-US" dirty="0"/>
+              <a:t>Problem formulation</a:t>
+            </a:r>
+          </a:p>
+          <a:p>
+            <a:r>
+              <a:rPr lang="en-US" sz="2800" dirty="0">
+                <a:latin typeface="+mj-lt"/>
+                <a:ea typeface="+mj-ea"/>
+                <a:cs typeface="+mj-cs"/>
+              </a:rPr>
+              <a:t>Theory: privacy measure</a:t>
+            </a:r>
+            <a:endParaRPr lang="en-US" dirty="0"/>
+          </a:p>
+          <a:p>
+            <a:r>
+              <a:rPr lang="en-US" dirty="0"/>
+              <a:t>Algorithm design: distributed matching algorithm</a:t>
+            </a:r>
+          </a:p>
+          <a:p>
+            <a:r>
+              <a:rPr lang="en-US" sz="2800" dirty="0">
+                <a:latin typeface="+mj-lt"/>
+                <a:ea typeface="+mj-ea"/>
+                <a:cs typeface="+mj-cs"/>
+              </a:rPr>
+              <a:t>Python simulator: </a:t>
+            </a:r>
+            <a:r>
+              <a:rPr lang="en-US" dirty="0"/>
+              <a:t>evaluation of different algorithms</a:t>
+            </a:r>
+            <a:endParaRPr lang="en-US" sz="2800" dirty="0">
+              <a:latin typeface="+mj-lt"/>
+              <a:ea typeface="+mj-ea"/>
+              <a:cs typeface="+mj-cs"/>
+            </a:endParaRPr>
+          </a:p>
+          <a:p>
+            <a:endParaRPr lang="en-US" dirty="0"/>
+          </a:p>
+        </p:txBody>
+      </p:sp>
+      <p:sp>
+        <p:nvSpPr>
+          <p:cNvPr id="6" name="Footer Placeholder 5">
+            <a:extLst>
+              <a:ext uri="{FF2B5EF4-FFF2-40B4-BE49-F238E27FC236}">
+                <a16:creationId xmlns:a16="http://schemas.microsoft.com/office/drawing/2014/main" id="{EE327FE9-2016-0639-2AB3-E008BA70E5E9}"/>
+              </a:ext>
+            </a:extLst>
+          </p:cNvPr>
+          <p:cNvSpPr>
+            <a:spLocks noGrp="1"/>
+          </p:cNvSpPr>
+          <p:nvPr>
+            <p:ph type="ftr" sz="quarter" idx="11"/>
+          </p:nvPr>
+        </p:nvSpPr>
+        <p:spPr/>
+        <p:txBody>
           <a:bodyPr/>
           <a:lstStyle/>
           <a:p>
             <a:r>
-              <a:rPr lang="en-US" dirty="0"/>
-              <a:t>Problem Formulation</a:t>
-            </a:r>
-          </a:p>
-          <a:p>
-            <a:r>
-              <a:rPr lang="en-US" dirty="0"/>
-              <a:t>Algorithm Design</a:t>
-            </a:r>
-          </a:p>
-          <a:p>
-            <a:r>
-              <a:rPr lang="en-US" dirty="0"/>
-              <a:t>Privacy and performance measures</a:t>
-            </a:r>
-          </a:p>
-          <a:p>
-            <a:r>
-              <a:rPr lang="en-US" dirty="0"/>
-              <a:t>Simulation Software</a:t>
-            </a:r>
-          </a:p>
-          <a:p>
-            <a:r>
-              <a:rPr lang="en-US" dirty="0"/>
-              <a:t>Evaluation Of Different Algorithms</a:t>
+              <a:rPr lang="en-US"/>
+              <a:t>Updated project requirements</a:t>
             </a:r>
           </a:p>
         </p:txBody>
@@ -6851,7 +7427,7 @@
           <a:p>
             <a:r>
               <a:rPr lang="en-US" dirty="0"/>
-              <a:t>Updated and elaborated block diagram</a:t>
+              <a:t>Updated and Elaborated Block Diagram</a:t>
             </a:r>
             <a:endParaRPr lang="LID4096" dirty="0"/>
           </a:p>
@@ -6899,7 +7475,7 @@
             <a:pPr algn="ctr"/>
             <a:r>
               <a:rPr lang="en-US" dirty="0"/>
-              <a:t>Collect Passenger location</a:t>
+              <a:t>Collect Passenger locations</a:t>
             </a:r>
             <a:endParaRPr lang="LID4096" dirty="0"/>
           </a:p>
@@ -6919,7 +7495,7 @@
         </p:nvSpPr>
         <p:spPr>
           <a:xfrm>
-            <a:off x="2128121" y="5168943"/>
+            <a:off x="2183039" y="4621999"/>
             <a:ext cx="1970097" cy="1093888"/>
           </a:xfrm>
           <a:prstGeom prst="flowChartAlternateProcess">
@@ -7061,8 +7637,8 @@
         </p:nvSpPr>
         <p:spPr>
           <a:xfrm rot="2618649">
-            <a:off x="1401756" y="4496692"/>
-            <a:ext cx="1115868" cy="433512"/>
+            <a:off x="1413607" y="4388394"/>
+            <a:ext cx="833555" cy="512212"/>
           </a:xfrm>
           <a:prstGeom prst="rightArrow">
             <a:avLst/>
@@ -7107,7 +7683,7 @@
         </p:nvSpPr>
         <p:spPr>
           <a:xfrm>
-            <a:off x="4392118" y="5394920"/>
+            <a:off x="4252194" y="4910930"/>
             <a:ext cx="887453" cy="641934"/>
           </a:xfrm>
           <a:prstGeom prst="rightArrow">
@@ -7153,7 +7729,7 @@
         </p:nvSpPr>
         <p:spPr>
           <a:xfrm>
-            <a:off x="5296053" y="5071754"/>
+            <a:off x="5269858" y="4513951"/>
             <a:ext cx="2977446" cy="1442442"/>
           </a:xfrm>
           <a:prstGeom prst="flowChartAlternateProcess">
@@ -7275,7 +7851,7 @@
             <a:pPr algn="ctr"/>
             <a:r>
               <a:rPr lang="en-US" dirty="0"/>
-              <a:t>The server runs a centralized Algorithm and finds a matching</a:t>
+              <a:t>The server runs a centralized algorithm and finds a matching</a:t>
             </a:r>
             <a:endParaRPr lang="LID4096" dirty="0"/>
           </a:p>
@@ -7295,7 +7871,7 @@
         </p:nvSpPr>
         <p:spPr>
           <a:xfrm>
-            <a:off x="8484823" y="5338829"/>
+            <a:off x="8368641" y="4847976"/>
             <a:ext cx="887453" cy="641934"/>
           </a:xfrm>
           <a:prstGeom prst="rightArrow">
@@ -7413,7 +7989,7 @@
         </p:nvSpPr>
         <p:spPr>
           <a:xfrm>
-            <a:off x="9471334" y="5127500"/>
+            <a:off x="9364026" y="4590288"/>
             <a:ext cx="2448950" cy="1283218"/>
           </a:xfrm>
           <a:prstGeom prst="flowChartAlternateProcess">
@@ -7441,9 +8017,37 @@
             <a:pPr algn="ctr"/>
             <a:r>
               <a:rPr lang="en-US" dirty="0"/>
-              <a:t>Each driver runs a distributed Algorithm and finds a matching</a:t>
+              <a:t>Each driver runs a distributed algorithm and finds a matching</a:t>
             </a:r>
             <a:endParaRPr lang="LID4096" dirty="0"/>
+          </a:p>
+        </p:txBody>
+      </p:sp>
+      <p:sp>
+        <p:nvSpPr>
+          <p:cNvPr id="15" name="Footer Placeholder 14">
+            <a:extLst>
+              <a:ext uri="{FF2B5EF4-FFF2-40B4-BE49-F238E27FC236}">
+                <a16:creationId xmlns:a16="http://schemas.microsoft.com/office/drawing/2014/main" id="{D23F28E6-7D46-1872-C084-0EEAC232EC87}"/>
+              </a:ext>
+            </a:extLst>
+          </p:cNvPr>
+          <p:cNvSpPr>
+            <a:spLocks noGrp="1"/>
+          </p:cNvSpPr>
+          <p:nvPr>
+            <p:ph type="ftr" sz="quarter" idx="11"/>
+          </p:nvPr>
+        </p:nvSpPr>
+        <p:spPr/>
+        <p:txBody>
+          <a:bodyPr/>
+          <a:lstStyle/>
+          <a:p>
+            <a:r>
+              <a:rPr lang="en-US"/>
+              <a:t>Updated and elaborated block diagram</a:t>
+            </a:r>
           </a:p>
         </p:txBody>
       </p:sp>
@@ -7482,7 +8086,7 @@
           <p:cNvPr id="2" name="Title 1">
             <a:extLst>
               <a:ext uri="{FF2B5EF4-FFF2-40B4-BE49-F238E27FC236}">
-                <a16:creationId xmlns:a16="http://schemas.microsoft.com/office/drawing/2014/main" id="{C0CB92FF-AEC8-C182-7C8D-A3A529CEA193}"/>
+                <a16:creationId xmlns:a16="http://schemas.microsoft.com/office/drawing/2014/main" id="{30552792-2950-D87E-DE84-E9950D6DECDC}"/>
               </a:ext>
             </a:extLst>
           </p:cNvPr>
@@ -7493,30 +8097,232 @@
             <p:ph type="title"/>
           </p:nvPr>
         </p:nvSpPr>
-        <p:spPr/>
+        <p:spPr>
+          <a:xfrm>
+            <a:off x="1115568" y="559526"/>
+            <a:ext cx="10168128" cy="1179576"/>
+          </a:xfrm>
+        </p:spPr>
         <p:txBody>
           <a:bodyPr>
-            <a:normAutofit fontScale="90000"/>
+            <a:normAutofit/>
           </a:bodyPr>
           <a:lstStyle/>
           <a:p>
             <a:r>
               <a:rPr lang="en-US" dirty="0"/>
-              <a:t>Project products achieved so far-</a:t>
-            </a:r>
-            <a:br>
+              <a:t>Deliverable I: Quantitative Measures</a:t>
+            </a:r>
+            <a:endParaRPr lang="LID4096" dirty="0"/>
+          </a:p>
+        </p:txBody>
+      </p:sp>
+      <p:sp>
+        <p:nvSpPr>
+          <p:cNvPr id="6" name="Oval 5">
+            <a:extLst>
+              <a:ext uri="{FF2B5EF4-FFF2-40B4-BE49-F238E27FC236}">
+                <a16:creationId xmlns:a16="http://schemas.microsoft.com/office/drawing/2014/main" id="{686E0B4E-C67F-9E20-062F-E0E406026D7E}"/>
+              </a:ext>
+            </a:extLst>
+          </p:cNvPr>
+          <p:cNvSpPr/>
+          <p:nvPr/>
+        </p:nvSpPr>
+        <p:spPr>
+          <a:xfrm>
+            <a:off x="886968" y="5265242"/>
+            <a:ext cx="1207877" cy="1152980"/>
+          </a:xfrm>
+          <a:prstGeom prst="ellipse">
+            <a:avLst/>
+          </a:prstGeom>
+        </p:spPr>
+        <p:style>
+          <a:lnRef idx="2">
+            <a:schemeClr val="accent1">
+              <a:shade val="15000"/>
+            </a:schemeClr>
+          </a:lnRef>
+          <a:fillRef idx="1">
+            <a:schemeClr val="accent1"/>
+          </a:fillRef>
+          <a:effectRef idx="0">
+            <a:schemeClr val="accent1"/>
+          </a:effectRef>
+          <a:fontRef idx="minor">
+            <a:schemeClr val="lt1"/>
+          </a:fontRef>
+        </p:style>
+        <p:txBody>
+          <a:bodyPr rtlCol="0" anchor="ctr"/>
+          <a:lstStyle/>
+          <a:p>
+            <a:pPr algn="ctr"/>
+            <a:endParaRPr lang="LID4096"/>
+          </a:p>
+        </p:txBody>
+      </p:sp>
+      <p:sp>
+        <p:nvSpPr>
+          <p:cNvPr id="7" name="TextBox 6">
+            <a:extLst>
+              <a:ext uri="{FF2B5EF4-FFF2-40B4-BE49-F238E27FC236}">
+                <a16:creationId xmlns:a16="http://schemas.microsoft.com/office/drawing/2014/main" id="{ED25007D-0A6B-88CD-0736-39F216209961}"/>
+              </a:ext>
+            </a:extLst>
+          </p:cNvPr>
+          <p:cNvSpPr txBox="1"/>
+          <p:nvPr/>
+        </p:nvSpPr>
+        <p:spPr>
+          <a:xfrm>
+            <a:off x="599357" y="4722036"/>
+            <a:ext cx="2563803" cy="369332"/>
+          </a:xfrm>
+          <a:prstGeom prst="rect">
+            <a:avLst/>
+          </a:prstGeom>
+          <a:noFill/>
+        </p:spPr>
+        <p:txBody>
+          <a:bodyPr wrap="square" rtlCol="0">
+            <a:spAutoFit/>
+          </a:bodyPr>
+          <a:lstStyle/>
+          <a:p>
+            <a:r>
               <a:rPr lang="en-US" dirty="0"/>
-            </a:br>
+              <a:t>Location ball noise</a:t>
+            </a:r>
             <a:endParaRPr lang="LID4096" dirty="0"/>
           </a:p>
         </p:txBody>
       </p:sp>
       <p:sp>
         <p:nvSpPr>
-          <p:cNvPr id="6" name="Title 1">
-            <a:extLst>
-              <a:ext uri="{FF2B5EF4-FFF2-40B4-BE49-F238E27FC236}">
-                <a16:creationId xmlns:a16="http://schemas.microsoft.com/office/drawing/2014/main" id="{D347B114-BDEC-1311-2860-9193CB5D9EB0}"/>
+          <p:cNvPr id="8" name="TextBox 7">
+            <a:extLst>
+              <a:ext uri="{FF2B5EF4-FFF2-40B4-BE49-F238E27FC236}">
+                <a16:creationId xmlns:a16="http://schemas.microsoft.com/office/drawing/2014/main" id="{1E51CEA7-F7FF-B0FB-0EC1-A281F3FDCA9B}"/>
+              </a:ext>
+            </a:extLst>
+          </p:cNvPr>
+          <p:cNvSpPr txBox="1"/>
+          <p:nvPr/>
+        </p:nvSpPr>
+        <p:spPr>
+          <a:xfrm>
+            <a:off x="9427466" y="4722036"/>
+            <a:ext cx="2563803" cy="369332"/>
+          </a:xfrm>
+          <a:prstGeom prst="rect">
+            <a:avLst/>
+          </a:prstGeom>
+          <a:noFill/>
+        </p:spPr>
+        <p:txBody>
+          <a:bodyPr wrap="square" rtlCol="0">
+            <a:spAutoFit/>
+          </a:bodyPr>
+          <a:lstStyle/>
+          <a:p>
+            <a:r>
+              <a:rPr lang="en-US" dirty="0"/>
+              <a:t>Distance noise</a:t>
+            </a:r>
+            <a:endParaRPr lang="LID4096" dirty="0"/>
+          </a:p>
+        </p:txBody>
+      </p:sp>
+      <p:sp>
+        <p:nvSpPr>
+          <p:cNvPr id="11" name="Circle: Hollow 10">
+            <a:extLst>
+              <a:ext uri="{FF2B5EF4-FFF2-40B4-BE49-F238E27FC236}">
+                <a16:creationId xmlns:a16="http://schemas.microsoft.com/office/drawing/2014/main" id="{5EE59870-9A61-4BAF-F1B7-72C3787959E4}"/>
+              </a:ext>
+            </a:extLst>
+          </p:cNvPr>
+          <p:cNvSpPr/>
+          <p:nvPr/>
+        </p:nvSpPr>
+        <p:spPr>
+          <a:xfrm>
+            <a:off x="9677837" y="5300917"/>
+            <a:ext cx="1207877" cy="1152980"/>
+          </a:xfrm>
+          <a:prstGeom prst="donut">
+            <a:avLst>
+              <a:gd name="adj" fmla="val 13185"/>
+            </a:avLst>
+          </a:prstGeom>
+        </p:spPr>
+        <p:style>
+          <a:lnRef idx="2">
+            <a:schemeClr val="accent1">
+              <a:shade val="15000"/>
+            </a:schemeClr>
+          </a:lnRef>
+          <a:fillRef idx="1">
+            <a:schemeClr val="accent1"/>
+          </a:fillRef>
+          <a:effectRef idx="0">
+            <a:schemeClr val="accent1"/>
+          </a:effectRef>
+          <a:fontRef idx="minor">
+            <a:schemeClr val="lt1"/>
+          </a:fontRef>
+        </p:style>
+        <p:txBody>
+          <a:bodyPr rtlCol="0" anchor="ctr"/>
+          <a:lstStyle/>
+          <a:p>
+            <a:pPr algn="ctr"/>
+            <a:endParaRPr lang="LID4096">
+              <a:solidFill>
+                <a:schemeClr val="tx1"/>
+              </a:solidFill>
+            </a:endParaRPr>
+          </a:p>
+        </p:txBody>
+      </p:sp>
+      <p:pic>
+        <p:nvPicPr>
+          <p:cNvPr id="14" name="Picture 13">
+            <a:extLst>
+              <a:ext uri="{FF2B5EF4-FFF2-40B4-BE49-F238E27FC236}">
+                <a16:creationId xmlns:a16="http://schemas.microsoft.com/office/drawing/2014/main" id="{C19CB357-09ED-C496-0F09-0178C110E300}"/>
+              </a:ext>
+            </a:extLst>
+          </p:cNvPr>
+          <p:cNvPicPr>
+            <a:picLocks noChangeAspect="1"/>
+          </p:cNvPicPr>
+          <p:nvPr/>
+        </p:nvPicPr>
+        <p:blipFill>
+          <a:blip r:embed="rId3"/>
+          <a:stretch>
+            <a:fillRect/>
+          </a:stretch>
+        </p:blipFill>
+        <p:spPr>
+          <a:xfrm>
+            <a:off x="4000128" y="5361269"/>
+            <a:ext cx="3772426" cy="1143160"/>
+          </a:xfrm>
+          <a:prstGeom prst="rect">
+            <a:avLst/>
+          </a:prstGeom>
+        </p:spPr>
+      </p:pic>
+      <p:sp>
+        <p:nvSpPr>
+          <p:cNvPr id="15" name="Title 1">
+            <a:extLst>
+              <a:ext uri="{FF2B5EF4-FFF2-40B4-BE49-F238E27FC236}">
+                <a16:creationId xmlns:a16="http://schemas.microsoft.com/office/drawing/2014/main" id="{C9ACDFDB-8615-092B-7F5E-81ED06E30790}"/>
               </a:ext>
             </a:extLst>
           </p:cNvPr>
@@ -7527,8 +8333,8 @@
         </p:nvSpPr>
         <p:spPr>
           <a:xfrm>
-            <a:off x="776417" y="3993962"/>
-            <a:ext cx="10796048" cy="1628503"/>
+            <a:off x="-1083936" y="3646854"/>
+            <a:ext cx="10168128" cy="1179576"/>
           </a:xfrm>
           <a:prstGeom prst="rect">
             <a:avLst/>
@@ -7559,22 +8365,82 @@
           </a:lstStyle>
           <a:p>
             <a:r>
-              <a:rPr lang="en-US" sz="2500" dirty="0"/>
-              <a:t>Centralized and distributed algorithms- naïve algorithm, Hungarian algorithm</a:t>
+              <a:rPr lang="en-US" sz="3200" dirty="0"/>
+              <a:t>		Privacy: differential Entropy</a:t>
             </a:r>
             <a:br>
-              <a:rPr lang="en-US" dirty="0"/>
+              <a:rPr lang="en-US" sz="3200" dirty="0"/>
             </a:br>
-            <a:endParaRPr lang="LID4096" dirty="0"/>
-          </a:p>
-        </p:txBody>
-      </p:sp>
+            <a:endParaRPr lang="LID4096" sz="3200" dirty="0"/>
+          </a:p>
+        </p:txBody>
+      </p:sp>
+      <p:pic>
+        <p:nvPicPr>
+          <p:cNvPr id="16" name="Picture 15">
+            <a:extLst>
+              <a:ext uri="{FF2B5EF4-FFF2-40B4-BE49-F238E27FC236}">
+                <a16:creationId xmlns:a16="http://schemas.microsoft.com/office/drawing/2014/main" id="{2EFE767B-33EB-7C7D-8F1F-D918D6A3E4DD}"/>
+              </a:ext>
+            </a:extLst>
+          </p:cNvPr>
+          <p:cNvPicPr>
+            <a:picLocks noChangeAspect="1"/>
+          </p:cNvPicPr>
+          <p:nvPr/>
+        </p:nvPicPr>
+        <p:blipFill>
+          <a:blip r:embed="rId4"/>
+          <a:stretch>
+            <a:fillRect/>
+          </a:stretch>
+        </p:blipFill>
+        <p:spPr>
+          <a:xfrm>
+            <a:off x="6349071" y="3583195"/>
+            <a:ext cx="4978605" cy="1021036"/>
+          </a:xfrm>
+          <a:prstGeom prst="rect">
+            <a:avLst/>
+          </a:prstGeom>
+        </p:spPr>
+      </p:pic>
+      <p:pic>
+        <p:nvPicPr>
+          <p:cNvPr id="5" name="Picture 4">
+            <a:extLst>
+              <a:ext uri="{FF2B5EF4-FFF2-40B4-BE49-F238E27FC236}">
+                <a16:creationId xmlns:a16="http://schemas.microsoft.com/office/drawing/2014/main" id="{B409E415-DFF3-64D9-2EF8-41A0DBC7A746}"/>
+              </a:ext>
+            </a:extLst>
+          </p:cNvPr>
+          <p:cNvPicPr>
+            <a:picLocks noChangeAspect="1"/>
+          </p:cNvPicPr>
+          <p:nvPr/>
+        </p:nvPicPr>
+        <p:blipFill>
+          <a:blip r:embed="rId5"/>
+          <a:stretch>
+            <a:fillRect/>
+          </a:stretch>
+        </p:blipFill>
+        <p:spPr>
+          <a:xfrm>
+            <a:off x="599357" y="2027283"/>
+            <a:ext cx="10577818" cy="1438108"/>
+          </a:xfrm>
+          <a:prstGeom prst="rect">
+            <a:avLst/>
+          </a:prstGeom>
+        </p:spPr>
+      </p:pic>
       <p:sp>
         <p:nvSpPr>
           <p:cNvPr id="9" name="Title 1">
             <a:extLst>
               <a:ext uri="{FF2B5EF4-FFF2-40B4-BE49-F238E27FC236}">
-                <a16:creationId xmlns:a16="http://schemas.microsoft.com/office/drawing/2014/main" id="{0807D6E3-15DF-FB19-56F3-CB212105FE8D}"/>
+                <a16:creationId xmlns:a16="http://schemas.microsoft.com/office/drawing/2014/main" id="{4C7E888C-446F-FAB4-9EAE-0C94444B5F46}"/>
               </a:ext>
             </a:extLst>
           </p:cNvPr>
@@ -7585,7 +8451,7 @@
         </p:nvSpPr>
         <p:spPr>
           <a:xfrm>
-            <a:off x="908304" y="1927034"/>
+            <a:off x="1881258" y="1514460"/>
             <a:ext cx="10168128" cy="1179576"/>
           </a:xfrm>
           <a:prstGeom prst="rect">
@@ -7618,7 +8484,7 @@
           <a:p>
             <a:r>
               <a:rPr lang="en-US" sz="2800" dirty="0"/>
-              <a:t>Problem Formulation – The Assignment Problem</a:t>
+              <a:t>	Performance: sum of pickup times</a:t>
             </a:r>
             <a:br>
               <a:rPr lang="en-US" sz="2800" dirty="0"/>
@@ -7627,70 +8493,38 @@
           </a:p>
         </p:txBody>
       </p:sp>
-      <p:pic>
-        <p:nvPicPr>
-          <p:cNvPr id="12" name="Picture 11">
-            <a:extLst>
-              <a:ext uri="{FF2B5EF4-FFF2-40B4-BE49-F238E27FC236}">
-                <a16:creationId xmlns:a16="http://schemas.microsoft.com/office/drawing/2014/main" id="{FEE2D9EF-6D95-124F-3F85-A6368C881DA4}"/>
-              </a:ext>
-            </a:extLst>
-          </p:cNvPr>
-          <p:cNvPicPr>
-            <a:picLocks noChangeAspect="1"/>
-          </p:cNvPicPr>
-          <p:nvPr/>
-        </p:nvPicPr>
-        <p:blipFill>
-          <a:blip r:embed="rId2"/>
-          <a:stretch>
-            <a:fillRect/>
-          </a:stretch>
-        </p:blipFill>
-        <p:spPr>
-          <a:xfrm>
-            <a:off x="705878" y="2648570"/>
-            <a:ext cx="10577818" cy="1438108"/>
-          </a:xfrm>
-          <a:prstGeom prst="rect">
-            <a:avLst/>
-          </a:prstGeom>
-        </p:spPr>
-      </p:pic>
-      <p:pic>
-        <p:nvPicPr>
-          <p:cNvPr id="14" name="Picture 13">
-            <a:extLst>
-              <a:ext uri="{FF2B5EF4-FFF2-40B4-BE49-F238E27FC236}">
-                <a16:creationId xmlns:a16="http://schemas.microsoft.com/office/drawing/2014/main" id="{2856FB76-A6F1-71AB-E301-5CD93AE2D996}"/>
-              </a:ext>
-            </a:extLst>
-          </p:cNvPr>
-          <p:cNvPicPr>
-            <a:picLocks noChangeAspect="1"/>
-          </p:cNvPicPr>
-          <p:nvPr/>
-        </p:nvPicPr>
-        <p:blipFill>
-          <a:blip r:embed="rId3"/>
-          <a:stretch>
-            <a:fillRect/>
-          </a:stretch>
-        </p:blipFill>
-        <p:spPr>
-          <a:xfrm>
-            <a:off x="1115568" y="5007032"/>
-            <a:ext cx="8685352" cy="1628503"/>
-          </a:xfrm>
-          <a:prstGeom prst="rect">
-            <a:avLst/>
-          </a:prstGeom>
-        </p:spPr>
-      </p:pic>
+      <p:sp>
+        <p:nvSpPr>
+          <p:cNvPr id="13" name="Footer Placeholder 12">
+            <a:extLst>
+              <a:ext uri="{FF2B5EF4-FFF2-40B4-BE49-F238E27FC236}">
+                <a16:creationId xmlns:a16="http://schemas.microsoft.com/office/drawing/2014/main" id="{EFFE5C30-86FC-09F8-A4E7-BDD21457B2F3}"/>
+              </a:ext>
+            </a:extLst>
+          </p:cNvPr>
+          <p:cNvSpPr>
+            <a:spLocks noGrp="1"/>
+          </p:cNvSpPr>
+          <p:nvPr>
+            <p:ph type="ftr" sz="quarter" idx="11"/>
+          </p:nvPr>
+        </p:nvSpPr>
+        <p:spPr/>
+        <p:txBody>
+          <a:bodyPr/>
+          <a:lstStyle/>
+          <a:p>
+            <a:r>
+              <a:rPr lang="en-US"/>
+              <a:t>Project products achieved so far and their demonstration </a:t>
+            </a:r>
+          </a:p>
+        </p:txBody>
+      </p:sp>
     </p:spTree>
     <p:extLst>
       <p:ext uri="{BB962C8B-B14F-4D97-AF65-F5344CB8AC3E}">
-        <p14:creationId xmlns:p14="http://schemas.microsoft.com/office/powerpoint/2010/main" val="3584467557"/>
+        <p14:creationId xmlns:p14="http://schemas.microsoft.com/office/powerpoint/2010/main" val="3093737165"/>
       </p:ext>
     </p:extLst>
   </p:cSld>
@@ -7722,7 +8556,7 @@
           <p:cNvPr id="2" name="Title 1">
             <a:extLst>
               <a:ext uri="{FF2B5EF4-FFF2-40B4-BE49-F238E27FC236}">
-                <a16:creationId xmlns:a16="http://schemas.microsoft.com/office/drawing/2014/main" id="{30552792-2950-D87E-DE84-E9950D6DECDC}"/>
+                <a16:creationId xmlns:a16="http://schemas.microsoft.com/office/drawing/2014/main" id="{C0CB92FF-AEC8-C182-7C8D-A3A529CEA193}"/>
               </a:ext>
             </a:extLst>
           </p:cNvPr>
@@ -7732,245 +8566,39 @@
           <p:nvPr>
             <p:ph type="title"/>
           </p:nvPr>
+        </p:nvSpPr>
+        <p:spPr/>
+        <p:txBody>
+          <a:bodyPr>
+            <a:normAutofit fontScale="90000"/>
+          </a:bodyPr>
+          <a:lstStyle/>
+          <a:p>
+            <a:br>
+              <a:rPr lang="en-US" dirty="0"/>
+            </a:br>
+            <a:endParaRPr lang="LID4096" dirty="0"/>
+          </a:p>
+        </p:txBody>
+      </p:sp>
+      <p:sp>
+        <p:nvSpPr>
+          <p:cNvPr id="6" name="Title 1">
+            <a:extLst>
+              <a:ext uri="{FF2B5EF4-FFF2-40B4-BE49-F238E27FC236}">
+                <a16:creationId xmlns:a16="http://schemas.microsoft.com/office/drawing/2014/main" id="{D347B114-BDEC-1311-2860-9193CB5D9EB0}"/>
+              </a:ext>
+            </a:extLst>
+          </p:cNvPr>
+          <p:cNvSpPr txBox="1">
+            <a:spLocks/>
+          </p:cNvSpPr>
+          <p:nvPr/>
         </p:nvSpPr>
         <p:spPr>
           <a:xfrm>
-            <a:off x="1115568" y="559526"/>
-            <a:ext cx="10168128" cy="1179576"/>
-          </a:xfrm>
-        </p:spPr>
-        <p:txBody>
-          <a:bodyPr>
-            <a:normAutofit/>
-          </a:bodyPr>
-          <a:lstStyle/>
-          <a:p>
-            <a:r>
-              <a:rPr lang="en-US" dirty="0"/>
-              <a:t>Privacy measure </a:t>
-            </a:r>
-            <a:endParaRPr lang="LID4096" dirty="0"/>
-          </a:p>
-        </p:txBody>
-      </p:sp>
-      <p:sp>
-        <p:nvSpPr>
-          <p:cNvPr id="6" name="Oval 5">
-            <a:extLst>
-              <a:ext uri="{FF2B5EF4-FFF2-40B4-BE49-F238E27FC236}">
-                <a16:creationId xmlns:a16="http://schemas.microsoft.com/office/drawing/2014/main" id="{686E0B4E-C67F-9E20-062F-E0E406026D7E}"/>
-              </a:ext>
-            </a:extLst>
-          </p:cNvPr>
-          <p:cNvSpPr/>
-          <p:nvPr/>
-        </p:nvSpPr>
-        <p:spPr>
-          <a:xfrm>
-            <a:off x="1561882" y="3985917"/>
-            <a:ext cx="2117489" cy="2103556"/>
-          </a:xfrm>
-          <a:prstGeom prst="ellipse">
-            <a:avLst/>
-          </a:prstGeom>
-        </p:spPr>
-        <p:style>
-          <a:lnRef idx="2">
-            <a:schemeClr val="accent1">
-              <a:shade val="15000"/>
-            </a:schemeClr>
-          </a:lnRef>
-          <a:fillRef idx="1">
-            <a:schemeClr val="accent1"/>
-          </a:fillRef>
-          <a:effectRef idx="0">
-            <a:schemeClr val="accent1"/>
-          </a:effectRef>
-          <a:fontRef idx="minor">
-            <a:schemeClr val="lt1"/>
-          </a:fontRef>
-        </p:style>
-        <p:txBody>
-          <a:bodyPr rtlCol="0" anchor="ctr"/>
-          <a:lstStyle/>
-          <a:p>
-            <a:pPr algn="ctr"/>
-            <a:endParaRPr lang="LID4096"/>
-          </a:p>
-        </p:txBody>
-      </p:sp>
-      <p:sp>
-        <p:nvSpPr>
-          <p:cNvPr id="7" name="TextBox 6">
-            <a:extLst>
-              <a:ext uri="{FF2B5EF4-FFF2-40B4-BE49-F238E27FC236}">
-                <a16:creationId xmlns:a16="http://schemas.microsoft.com/office/drawing/2014/main" id="{ED25007D-0A6B-88CD-0736-39F216209961}"/>
-              </a:ext>
-            </a:extLst>
-          </p:cNvPr>
-          <p:cNvSpPr txBox="1"/>
-          <p:nvPr/>
-        </p:nvSpPr>
-        <p:spPr>
-          <a:xfrm>
-            <a:off x="1561882" y="3475410"/>
-            <a:ext cx="2563803" cy="369332"/>
-          </a:xfrm>
-          <a:prstGeom prst="rect">
-            <a:avLst/>
-          </a:prstGeom>
-          <a:noFill/>
-        </p:spPr>
-        <p:txBody>
-          <a:bodyPr wrap="square" rtlCol="0">
-            <a:spAutoFit/>
-          </a:bodyPr>
-          <a:lstStyle/>
-          <a:p>
-            <a:r>
-              <a:rPr lang="en-US" dirty="0"/>
-              <a:t>Location ball noise</a:t>
-            </a:r>
-            <a:endParaRPr lang="LID4096" dirty="0"/>
-          </a:p>
-        </p:txBody>
-      </p:sp>
-      <p:sp>
-        <p:nvSpPr>
-          <p:cNvPr id="8" name="TextBox 7">
-            <a:extLst>
-              <a:ext uri="{FF2B5EF4-FFF2-40B4-BE49-F238E27FC236}">
-                <a16:creationId xmlns:a16="http://schemas.microsoft.com/office/drawing/2014/main" id="{1E51CEA7-F7FF-B0FB-0EC1-A281F3FDCA9B}"/>
-              </a:ext>
-            </a:extLst>
-          </p:cNvPr>
-          <p:cNvSpPr txBox="1"/>
-          <p:nvPr/>
-        </p:nvSpPr>
-        <p:spPr>
-          <a:xfrm>
-            <a:off x="8898854" y="3418496"/>
-            <a:ext cx="2563803" cy="369332"/>
-          </a:xfrm>
-          <a:prstGeom prst="rect">
-            <a:avLst/>
-          </a:prstGeom>
-          <a:noFill/>
-        </p:spPr>
-        <p:txBody>
-          <a:bodyPr wrap="square" rtlCol="0">
-            <a:spAutoFit/>
-          </a:bodyPr>
-          <a:lstStyle/>
-          <a:p>
-            <a:r>
-              <a:rPr lang="en-US" dirty="0"/>
-              <a:t>Distance Noise</a:t>
-            </a:r>
-            <a:endParaRPr lang="LID4096" dirty="0"/>
-          </a:p>
-        </p:txBody>
-      </p:sp>
-      <p:sp>
-        <p:nvSpPr>
-          <p:cNvPr id="11" name="Circle: Hollow 10">
-            <a:extLst>
-              <a:ext uri="{FF2B5EF4-FFF2-40B4-BE49-F238E27FC236}">
-                <a16:creationId xmlns:a16="http://schemas.microsoft.com/office/drawing/2014/main" id="{5EE59870-9A61-4BAF-F1B7-72C3787959E4}"/>
-              </a:ext>
-            </a:extLst>
-          </p:cNvPr>
-          <p:cNvSpPr/>
-          <p:nvPr/>
-        </p:nvSpPr>
-        <p:spPr>
-          <a:xfrm>
-            <a:off x="8615826" y="4097885"/>
-            <a:ext cx="2312995" cy="2261986"/>
-          </a:xfrm>
-          <a:prstGeom prst="donut">
-            <a:avLst>
-              <a:gd name="adj" fmla="val 13185"/>
-            </a:avLst>
-          </a:prstGeom>
-        </p:spPr>
-        <p:style>
-          <a:lnRef idx="2">
-            <a:schemeClr val="accent1">
-              <a:shade val="15000"/>
-            </a:schemeClr>
-          </a:lnRef>
-          <a:fillRef idx="1">
-            <a:schemeClr val="accent1"/>
-          </a:fillRef>
-          <a:effectRef idx="0">
-            <a:schemeClr val="accent1"/>
-          </a:effectRef>
-          <a:fontRef idx="minor">
-            <a:schemeClr val="lt1"/>
-          </a:fontRef>
-        </p:style>
-        <p:txBody>
-          <a:bodyPr rtlCol="0" anchor="ctr"/>
-          <a:lstStyle/>
-          <a:p>
-            <a:pPr algn="ctr"/>
-            <a:endParaRPr lang="LID4096">
-              <a:solidFill>
-                <a:schemeClr val="tx1"/>
-              </a:solidFill>
-            </a:endParaRPr>
-          </a:p>
-        </p:txBody>
-      </p:sp>
-      <p:pic>
-        <p:nvPicPr>
-          <p:cNvPr id="14" name="Picture 13">
-            <a:extLst>
-              <a:ext uri="{FF2B5EF4-FFF2-40B4-BE49-F238E27FC236}">
-                <a16:creationId xmlns:a16="http://schemas.microsoft.com/office/drawing/2014/main" id="{C19CB357-09ED-C496-0F09-0178C110E300}"/>
-              </a:ext>
-            </a:extLst>
-          </p:cNvPr>
-          <p:cNvPicPr>
-            <a:picLocks noChangeAspect="1"/>
-          </p:cNvPicPr>
-          <p:nvPr/>
-        </p:nvPicPr>
-        <p:blipFill>
-          <a:blip r:embed="rId3"/>
-          <a:stretch>
-            <a:fillRect/>
-          </a:stretch>
-        </p:blipFill>
-        <p:spPr>
-          <a:xfrm>
-            <a:off x="4002053" y="5366444"/>
-            <a:ext cx="3772426" cy="1143160"/>
-          </a:xfrm>
-          <a:prstGeom prst="rect">
-            <a:avLst/>
-          </a:prstGeom>
-        </p:spPr>
-      </p:pic>
-      <p:sp>
-        <p:nvSpPr>
-          <p:cNvPr id="15" name="Title 1">
-            <a:extLst>
-              <a:ext uri="{FF2B5EF4-FFF2-40B4-BE49-F238E27FC236}">
-                <a16:creationId xmlns:a16="http://schemas.microsoft.com/office/drawing/2014/main" id="{C9ACDFDB-8615-092B-7F5E-81ED06E30790}"/>
-              </a:ext>
-            </a:extLst>
-          </p:cNvPr>
-          <p:cNvSpPr txBox="1">
-            <a:spLocks/>
-          </p:cNvSpPr>
-          <p:nvPr/>
-        </p:nvSpPr>
-        <p:spPr>
-          <a:xfrm>
-            <a:off x="2023872" y="1491556"/>
-            <a:ext cx="10168128" cy="1179576"/>
+            <a:off x="697976" y="1728216"/>
+            <a:ext cx="10796048" cy="1628503"/>
           </a:xfrm>
           <a:prstGeom prst="rect">
             <a:avLst/>
@@ -8001,22 +8629,22 @@
           </a:lstStyle>
           <a:p>
             <a:r>
-              <a:rPr lang="en-US" sz="3200" dirty="0"/>
-              <a:t>Privacy measure – Differential Entropy</a:t>
+              <a:rPr lang="en-US" sz="2500" dirty="0"/>
+              <a:t>Centralized and distributed algorithms - Naïve algorithm, Hungarian algorithm</a:t>
             </a:r>
             <a:br>
-              <a:rPr lang="en-US" sz="3200" dirty="0"/>
+              <a:rPr lang="en-US" dirty="0"/>
             </a:br>
-            <a:endParaRPr lang="LID4096" sz="3200" dirty="0"/>
+            <a:endParaRPr lang="LID4096" dirty="0"/>
           </a:p>
         </p:txBody>
       </p:sp>
       <p:pic>
         <p:nvPicPr>
-          <p:cNvPr id="16" name="Picture 15">
-            <a:extLst>
-              <a:ext uri="{FF2B5EF4-FFF2-40B4-BE49-F238E27FC236}">
-                <a16:creationId xmlns:a16="http://schemas.microsoft.com/office/drawing/2014/main" id="{2EFE767B-33EB-7C7D-8F1F-D918D6A3E4DD}"/>
+          <p:cNvPr id="14" name="Picture 13">
+            <a:extLst>
+              <a:ext uri="{FF2B5EF4-FFF2-40B4-BE49-F238E27FC236}">
+                <a16:creationId xmlns:a16="http://schemas.microsoft.com/office/drawing/2014/main" id="{2856FB76-A6F1-71AB-E301-5CD93AE2D996}"/>
               </a:ext>
             </a:extLst>
           </p:cNvPr>
@@ -8026,25 +8654,108 @@
           <p:nvPr/>
         </p:nvPicPr>
         <p:blipFill>
-          <a:blip r:embed="rId4"/>
+          <a:blip r:embed="rId2"/>
           <a:stretch>
             <a:fillRect/>
           </a:stretch>
         </p:blipFill>
         <p:spPr>
           <a:xfrm>
-            <a:off x="2795874" y="2313199"/>
-            <a:ext cx="4978605" cy="1021036"/>
+            <a:off x="370117" y="2764312"/>
+            <a:ext cx="11615056" cy="2177822"/>
           </a:xfrm>
           <a:prstGeom prst="rect">
             <a:avLst/>
           </a:prstGeom>
         </p:spPr>
       </p:pic>
+      <p:sp>
+        <p:nvSpPr>
+          <p:cNvPr id="7" name="Title 1">
+            <a:extLst>
+              <a:ext uri="{FF2B5EF4-FFF2-40B4-BE49-F238E27FC236}">
+                <a16:creationId xmlns:a16="http://schemas.microsoft.com/office/drawing/2014/main" id="{F0BAAF35-6E54-0E7D-8640-6DFE88A1FEC4}"/>
+              </a:ext>
+            </a:extLst>
+          </p:cNvPr>
+          <p:cNvSpPr txBox="1">
+            <a:spLocks/>
+          </p:cNvSpPr>
+          <p:nvPr/>
+        </p:nvSpPr>
+        <p:spPr>
+          <a:xfrm>
+            <a:off x="1115568" y="559526"/>
+            <a:ext cx="10168128" cy="1179576"/>
+          </a:xfrm>
+          <a:prstGeom prst="rect">
+            <a:avLst/>
+          </a:prstGeom>
+        </p:spPr>
+        <p:txBody>
+          <a:bodyPr vert="horz" lIns="91440" tIns="45720" rIns="91440" bIns="45720" rtlCol="0" anchor="ctr">
+            <a:normAutofit/>
+          </a:bodyPr>
+          <a:lstStyle>
+            <a:lvl1pPr algn="l" defTabSz="914400" rtl="0" eaLnBrk="1" latinLnBrk="0" hangingPunct="1">
+              <a:lnSpc>
+                <a:spcPct val="90000"/>
+              </a:lnSpc>
+              <a:spcBef>
+                <a:spcPct val="0"/>
+              </a:spcBef>
+              <a:buNone/>
+              <a:defRPr sz="4000" kern="1200">
+                <a:solidFill>
+                  <a:schemeClr val="tx1"/>
+                </a:solidFill>
+                <a:latin typeface="+mj-lt"/>
+                <a:ea typeface="+mj-ea"/>
+                <a:cs typeface="+mj-cs"/>
+              </a:defRPr>
+            </a:lvl1pPr>
+          </a:lstStyle>
+          <a:p>
+            <a:r>
+              <a:rPr lang="en-US" dirty="0"/>
+              <a:t>Deliverable II: Algorithms</a:t>
+            </a:r>
+            <a:endParaRPr lang="LID4096" dirty="0"/>
+          </a:p>
+        </p:txBody>
+      </p:sp>
+      <p:sp>
+        <p:nvSpPr>
+          <p:cNvPr id="8" name="Footer Placeholder 7">
+            <a:extLst>
+              <a:ext uri="{FF2B5EF4-FFF2-40B4-BE49-F238E27FC236}">
+                <a16:creationId xmlns:a16="http://schemas.microsoft.com/office/drawing/2014/main" id="{0F51C42A-4203-49E6-7640-23098417E168}"/>
+              </a:ext>
+            </a:extLst>
+          </p:cNvPr>
+          <p:cNvSpPr>
+            <a:spLocks noGrp="1"/>
+          </p:cNvSpPr>
+          <p:nvPr>
+            <p:ph type="ftr" sz="quarter" idx="11"/>
+          </p:nvPr>
+        </p:nvSpPr>
+        <p:spPr/>
+        <p:txBody>
+          <a:bodyPr/>
+          <a:lstStyle/>
+          <a:p>
+            <a:r>
+              <a:rPr lang="en-US"/>
+              <a:t>Project products achieved so far and their demonstration </a:t>
+            </a:r>
+          </a:p>
+        </p:txBody>
+      </p:sp>
     </p:spTree>
     <p:extLst>
       <p:ext uri="{BB962C8B-B14F-4D97-AF65-F5344CB8AC3E}">
-        <p14:creationId xmlns:p14="http://schemas.microsoft.com/office/powerpoint/2010/main" val="3093737165"/>
+        <p14:creationId xmlns:p14="http://schemas.microsoft.com/office/powerpoint/2010/main" val="734109314"/>
       </p:ext>
     </p:extLst>
   </p:cSld>
@@ -8073,37 +8784,169 @@
       </p:grpSpPr>
       <p:sp>
         <p:nvSpPr>
-          <p:cNvPr id="2" name="Title 1">
-            <a:extLst>
-              <a:ext uri="{FF2B5EF4-FFF2-40B4-BE49-F238E27FC236}">
-                <a16:creationId xmlns:a16="http://schemas.microsoft.com/office/drawing/2014/main" id="{30552792-2950-D87E-DE84-E9950D6DECDC}"/>
-              </a:ext>
-            </a:extLst>
-          </p:cNvPr>
-          <p:cNvSpPr>
-            <a:spLocks noGrp="1"/>
-          </p:cNvSpPr>
-          <p:nvPr>
-            <p:ph type="title"/>
-          </p:nvPr>
+          <p:cNvPr id="7" name="Title 1">
+            <a:extLst>
+              <a:ext uri="{FF2B5EF4-FFF2-40B4-BE49-F238E27FC236}">
+                <a16:creationId xmlns:a16="http://schemas.microsoft.com/office/drawing/2014/main" id="{72E47990-8C0A-17BB-A585-071BCADC1F95}"/>
+              </a:ext>
+            </a:extLst>
+          </p:cNvPr>
+          <p:cNvSpPr txBox="1">
+            <a:spLocks/>
+          </p:cNvSpPr>
+          <p:nvPr/>
         </p:nvSpPr>
         <p:spPr>
           <a:xfrm>
             <a:off x="1115568" y="559526"/>
             <a:ext cx="10168128" cy="1179576"/>
           </a:xfrm>
+          <a:prstGeom prst="rect">
+            <a:avLst/>
+          </a:prstGeom>
         </p:spPr>
         <p:txBody>
-          <a:bodyPr>
+          <a:bodyPr vert="horz" lIns="91440" tIns="45720" rIns="91440" bIns="45720" rtlCol="0" anchor="ctr">
             <a:normAutofit/>
           </a:bodyPr>
-          <a:lstStyle/>
+          <a:lstStyle>
+            <a:lvl1pPr algn="l" defTabSz="914400" rtl="0" eaLnBrk="1" latinLnBrk="0" hangingPunct="1">
+              <a:lnSpc>
+                <a:spcPct val="90000"/>
+              </a:lnSpc>
+              <a:spcBef>
+                <a:spcPct val="0"/>
+              </a:spcBef>
+              <a:buNone/>
+              <a:defRPr sz="4000" kern="1200">
+                <a:solidFill>
+                  <a:schemeClr val="tx1"/>
+                </a:solidFill>
+                <a:latin typeface="+mj-lt"/>
+                <a:ea typeface="+mj-ea"/>
+                <a:cs typeface="+mj-cs"/>
+              </a:defRPr>
+            </a:lvl1pPr>
+          </a:lstStyle>
           <a:p>
             <a:r>
               <a:rPr lang="en-US" dirty="0"/>
-              <a:t>Simulation results</a:t>
+              <a:t>Deliverable III: Preliminary simulations</a:t>
             </a:r>
             <a:endParaRPr lang="LID4096" dirty="0"/>
+          </a:p>
+        </p:txBody>
+      </p:sp>
+      <p:sp>
+        <p:nvSpPr>
+          <p:cNvPr id="8" name="Footer Placeholder 7">
+            <a:extLst>
+              <a:ext uri="{FF2B5EF4-FFF2-40B4-BE49-F238E27FC236}">
+                <a16:creationId xmlns:a16="http://schemas.microsoft.com/office/drawing/2014/main" id="{77E767E7-C371-D917-45B5-620052E2111F}"/>
+              </a:ext>
+            </a:extLst>
+          </p:cNvPr>
+          <p:cNvSpPr>
+            <a:spLocks noGrp="1"/>
+          </p:cNvSpPr>
+          <p:nvPr>
+            <p:ph type="ftr" sz="quarter" idx="11"/>
+          </p:nvPr>
+        </p:nvSpPr>
+        <p:spPr/>
+        <p:txBody>
+          <a:bodyPr/>
+          <a:lstStyle/>
+          <a:p>
+            <a:r>
+              <a:rPr lang="en-US"/>
+              <a:t>Project products achieved so far and their demonstration </a:t>
+            </a:r>
+          </a:p>
+        </p:txBody>
+      </p:sp>
+      <p:pic>
+        <p:nvPicPr>
+          <p:cNvPr id="12" name="Picture 11">
+            <a:extLst>
+              <a:ext uri="{FF2B5EF4-FFF2-40B4-BE49-F238E27FC236}">
+                <a16:creationId xmlns:a16="http://schemas.microsoft.com/office/drawing/2014/main" id="{681A7947-1CC1-34E1-17E9-BFE60620BF1C}"/>
+              </a:ext>
+            </a:extLst>
+          </p:cNvPr>
+          <p:cNvPicPr>
+            <a:picLocks noChangeAspect="1"/>
+          </p:cNvPicPr>
+          <p:nvPr/>
+        </p:nvPicPr>
+        <p:blipFill>
+          <a:blip r:embed="rId2"/>
+          <a:stretch>
+            <a:fillRect/>
+          </a:stretch>
+        </p:blipFill>
+        <p:spPr>
+          <a:xfrm>
+            <a:off x="2514600" y="2169940"/>
+            <a:ext cx="6553200" cy="3951515"/>
+          </a:xfrm>
+          <a:prstGeom prst="rect">
+            <a:avLst/>
+          </a:prstGeom>
+        </p:spPr>
+      </p:pic>
+      <p:sp>
+        <p:nvSpPr>
+          <p:cNvPr id="14" name="Circle: Hollow 13">
+            <a:extLst>
+              <a:ext uri="{FF2B5EF4-FFF2-40B4-BE49-F238E27FC236}">
+                <a16:creationId xmlns:a16="http://schemas.microsoft.com/office/drawing/2014/main" id="{A5EA8DE1-0C37-B107-C280-169534307257}"/>
+              </a:ext>
+            </a:extLst>
+          </p:cNvPr>
+          <p:cNvSpPr/>
+          <p:nvPr/>
+        </p:nvSpPr>
+        <p:spPr>
+          <a:xfrm>
+            <a:off x="5257800" y="4680857"/>
+            <a:ext cx="631372" cy="544285"/>
+          </a:xfrm>
+          <a:prstGeom prst="donut">
+            <a:avLst>
+              <a:gd name="adj" fmla="val 13742"/>
+            </a:avLst>
+          </a:prstGeom>
+          <a:solidFill>
+            <a:srgbClr val="FF0000"/>
+          </a:solidFill>
+        </p:spPr>
+        <p:style>
+          <a:lnRef idx="2">
+            <a:schemeClr val="accent1">
+              <a:shade val="15000"/>
+            </a:schemeClr>
+          </a:lnRef>
+          <a:fillRef idx="1">
+            <a:schemeClr val="accent1"/>
+          </a:fillRef>
+          <a:effectRef idx="0">
+            <a:schemeClr val="accent1"/>
+          </a:effectRef>
+          <a:fontRef idx="minor">
+            <a:schemeClr val="lt1"/>
+          </a:fontRef>
+        </p:style>
+        <p:txBody>
+          <a:bodyPr rtlCol="0" anchor="ctr"/>
+          <a:lstStyle/>
+          <a:p>
+            <a:pPr algn="ctr"/>
+            <a:endParaRPr lang="LID4096">
+              <a:solidFill>
+                <a:schemeClr val="tx1"/>
+              </a:solidFill>
+            </a:endParaRPr>
           </a:p>
         </p:txBody>
       </p:sp>
@@ -8152,14 +8995,14 @@
           <p:nvPr>
             <p:extLst>
               <p:ext uri="{D42A27DB-BD31-4B8C-83A1-F6EECF244321}">
-                <p14:modId xmlns:p14="http://schemas.microsoft.com/office/powerpoint/2010/main" val="3808410702"/>
+                <p14:modId xmlns:p14="http://schemas.microsoft.com/office/powerpoint/2010/main" val="619345981"/>
               </p:ext>
             </p:extLst>
           </p:nvPr>
         </p:nvGraphicFramePr>
         <p:xfrm>
-          <a:off x="157842" y="478971"/>
-          <a:ext cx="11876316" cy="6234429"/>
+          <a:off x="157842" y="250371"/>
+          <a:ext cx="11876316" cy="5652991"/>
         </p:xfrm>
         <a:graphic>
           <a:graphicData uri="http://schemas.openxmlformats.org/drawingml/2006/table">
@@ -8268,7 +9111,7 @@
                     <a:p>
                       <a:r>
                         <a:rPr lang="en-US" sz="1400" dirty="0"/>
-                        <a:t>Mathematical Problem Formulation </a:t>
+                        <a:t>Mathematical problem formulation </a:t>
                       </a:r>
                       <a:endParaRPr lang="LID4096" sz="1400" dirty="0"/>
                     </a:p>
@@ -8351,7 +9194,7 @@
                     <a:p>
                       <a:r>
                         <a:rPr lang="en-US" sz="1400" dirty="0"/>
-                        <a:t>Basic Simulation Software implementation </a:t>
+                        <a:t>Basic simulation software implementation </a:t>
                       </a:r>
                       <a:endParaRPr lang="LID4096" sz="1400" dirty="0"/>
                     </a:p>
@@ -8414,7 +9257,7 @@
                     <a:p>
                       <a:r>
                         <a:rPr lang="en-US" sz="1400" dirty="0"/>
-                        <a:t>. Literature Review Completion </a:t>
+                        <a:t>Literature review completion </a:t>
                       </a:r>
                       <a:endParaRPr lang="LID4096" sz="1400" dirty="0"/>
                     </a:p>
@@ -8561,6 +9404,10 @@
                     <a:bodyPr/>
                     <a:lstStyle/>
                     <a:p>
+                      <a:r>
+                        <a:rPr lang="en-US" sz="1400" dirty="0"/>
+                        <a:t>-</a:t>
+                      </a:r>
                       <a:endParaRPr lang="LID4096" sz="1400" dirty="0"/>
                     </a:p>
                   </a:txBody>
@@ -8572,7 +9419,7 @@
                   </a:ext>
                 </a:extLst>
               </a:tr>
-              <a:tr h="702199">
+              <a:tr h="355428">
                 <a:tc>
                   <a:txBody>
                     <a:bodyPr/>
@@ -8624,6 +9471,10 @@
                     <a:bodyPr/>
                     <a:lstStyle/>
                     <a:p>
+                      <a:r>
+                        <a:rPr lang="en-US" sz="1400" dirty="0"/>
+                        <a:t>-</a:t>
+                      </a:r>
                       <a:endParaRPr lang="LID4096" sz="1400" dirty="0"/>
                     </a:p>
                   </a:txBody>
@@ -8635,7 +9486,7 @@
                   </a:ext>
                 </a:extLst>
               </a:tr>
-              <a:tr h="491539">
+              <a:tr h="218327">
                 <a:tc>
                   <a:txBody>
                     <a:bodyPr/>
@@ -8688,11 +9539,19 @@
                       </a:pPr>
                       <a:r>
                         <a:rPr lang="en-US" sz="1400" dirty="0"/>
-                        <a:t>10</a:t>
+                        <a:t>13</a:t>
                       </a:r>
                       <a:r>
                         <a:rPr lang="en-IL" sz="1400" dirty="0"/>
-                        <a:t>.4.2024</a:t>
+                        <a:t>.</a:t>
+                      </a:r>
+                      <a:r>
+                        <a:rPr lang="en-US" sz="1400" dirty="0"/>
+                        <a:t>6</a:t>
+                      </a:r>
+                      <a:r>
+                        <a:rPr lang="en-IL" sz="1400" dirty="0"/>
+                        <a:t>.2024</a:t>
                       </a:r>
                       <a:endParaRPr lang="LID4096" sz="1400" dirty="0"/>
                     </a:p>
@@ -8707,6 +9566,10 @@
                     <a:bodyPr/>
                     <a:lstStyle/>
                     <a:p>
+                      <a:r>
+                        <a:rPr lang="en-US" sz="1400" dirty="0"/>
+                        <a:t>-</a:t>
+                      </a:r>
                       <a:endParaRPr lang="LID4096" sz="1400" dirty="0"/>
                     </a:p>
                   </a:txBody>
@@ -8772,6 +9635,42 @@
                     <a:bodyPr/>
                     <a:lstStyle/>
                     <a:p>
+                      <a:pPr marL="0" marR="0" lvl="0" indent="0" algn="l" defTabSz="914400" rtl="0" eaLnBrk="1" fontAlgn="auto" latinLnBrk="0" hangingPunct="1">
+                        <a:lnSpc>
+                          <a:spcPct val="100000"/>
+                        </a:lnSpc>
+                        <a:spcBef>
+                          <a:spcPts val="0"/>
+                        </a:spcBef>
+                        <a:spcAft>
+                          <a:spcPts val="0"/>
+                        </a:spcAft>
+                        <a:buClrTx/>
+                        <a:buSzTx/>
+                        <a:buFontTx/>
+                        <a:buNone/>
+                        <a:tabLst/>
+                        <a:defRPr/>
+                      </a:pPr>
+                      <a:r>
+                        <a:rPr lang="en-US" sz="1400" dirty="0"/>
+                        <a:t>13</a:t>
+                      </a:r>
+                      <a:r>
+                        <a:rPr lang="en-IL" sz="1400" dirty="0"/>
+                        <a:t>.</a:t>
+                      </a:r>
+                      <a:r>
+                        <a:rPr lang="en-US" sz="1400" dirty="0"/>
+                        <a:t>6</a:t>
+                      </a:r>
+                      <a:r>
+                        <a:rPr lang="en-IL" sz="1400" dirty="0"/>
+                        <a:t>.2024</a:t>
+                      </a:r>
+                      <a:endParaRPr lang="LID4096" sz="1400" dirty="0"/>
+                    </a:p>
+                    <a:p>
                       <a:endParaRPr lang="LID4096" sz="1400" dirty="0"/>
                     </a:p>
                   </a:txBody>
@@ -8784,7 +9683,7 @@
                     <a:p>
                       <a:r>
                         <a:rPr lang="en-US" sz="1400" dirty="0"/>
-                        <a:t>We decided to not continue in this direction</a:t>
+                        <a:t>-</a:t>
                       </a:r>
                       <a:endParaRPr lang="LID4096" sz="1400" dirty="0"/>
                     </a:p>
@@ -8845,7 +9744,11 @@
                     <a:bodyPr/>
                     <a:lstStyle/>
                     <a:p>
-                      <a:endParaRPr lang="LID4096" sz="1400"/>
+                      <a:r>
+                        <a:rPr lang="en-US" sz="1400" dirty="0"/>
+                        <a:t>-</a:t>
+                      </a:r>
+                      <a:endParaRPr lang="LID4096" sz="1400" dirty="0"/>
                     </a:p>
                   </a:txBody>
                   <a:tcPr/>
@@ -8904,7 +9807,11 @@
                     <a:bodyPr/>
                     <a:lstStyle/>
                     <a:p>
-                      <a:endParaRPr lang="LID4096" sz="1400"/>
+                      <a:r>
+                        <a:rPr lang="en-US" sz="1400" dirty="0"/>
+                        <a:t>-</a:t>
+                      </a:r>
+                      <a:endParaRPr lang="LID4096" sz="1400" dirty="0"/>
                     </a:p>
                   </a:txBody>
                   <a:tcPr/>
@@ -8963,6 +9870,10 @@
                     <a:bodyPr/>
                     <a:lstStyle/>
                     <a:p>
+                      <a:r>
+                        <a:rPr lang="en-US" sz="1400" dirty="0"/>
+                        <a:t>-</a:t>
+                      </a:r>
                       <a:endParaRPr lang="LID4096" sz="1400" dirty="0"/>
                     </a:p>
                   </a:txBody>
@@ -9022,6 +9933,10 @@
                     <a:bodyPr/>
                     <a:lstStyle/>
                     <a:p>
+                      <a:r>
+                        <a:rPr lang="en-US" sz="1400" dirty="0"/>
+                        <a:t>-</a:t>
+                      </a:r>
                       <a:endParaRPr lang="LID4096" sz="1400" dirty="0"/>
                     </a:p>
                   </a:txBody>
@@ -9033,14 +9948,11 @@
                   </a:ext>
                 </a:extLst>
               </a:tr>
-              <a:tr h="702199">
+              <a:tr h="247067">
                 <a:tc>
                   <a:txBody>
                     <a:bodyPr/>
                     <a:lstStyle/>
-                    <a:p>
-                      <a:endParaRPr lang="en-US" sz="1400" dirty="0"/>
-                    </a:p>
                     <a:p>
                       <a:r>
                         <a:rPr lang="en-US" sz="1400" dirty="0"/>
@@ -9084,6 +9996,10 @@
                     <a:bodyPr/>
                     <a:lstStyle/>
                     <a:p>
+                      <a:r>
+                        <a:rPr lang="en-US" sz="1400" dirty="0"/>
+                        <a:t>-</a:t>
+                      </a:r>
                       <a:endParaRPr lang="LID4096" sz="1400" dirty="0"/>
                     </a:p>
                   </a:txBody>
@@ -9099,6 +10015,34 @@
           </a:graphicData>
         </a:graphic>
       </p:graphicFrame>
+      <p:sp>
+        <p:nvSpPr>
+          <p:cNvPr id="5" name="Footer Placeholder 4">
+            <a:extLst>
+              <a:ext uri="{FF2B5EF4-FFF2-40B4-BE49-F238E27FC236}">
+                <a16:creationId xmlns:a16="http://schemas.microsoft.com/office/drawing/2014/main" id="{D301197E-85AC-C1F5-E1A3-7BF53382AD87}"/>
+              </a:ext>
+            </a:extLst>
+          </p:cNvPr>
+          <p:cNvSpPr>
+            <a:spLocks noGrp="1"/>
+          </p:cNvSpPr>
+          <p:nvPr>
+            <p:ph type="ftr" sz="quarter" idx="11"/>
+          </p:nvPr>
+        </p:nvSpPr>
+        <p:spPr/>
+        <p:txBody>
+          <a:bodyPr/>
+          <a:lstStyle/>
+          <a:p>
+            <a:r>
+              <a:rPr lang="en-US"/>
+              <a:t>Updated schedule</a:t>
+            </a:r>
+          </a:p>
+        </p:txBody>
+      </p:sp>
     </p:spTree>
     <p:extLst>
       <p:ext uri="{BB962C8B-B14F-4D97-AF65-F5344CB8AC3E}">
@@ -9626,4 +10570,319 @@
     </a:ext>
   </a:extLst>
 </a:theme>
+</file>
+
+<file path=ppt/theme/theme3.xml><?xml version="1.0" encoding="utf-8"?>
+<a:theme xmlns:a="http://schemas.openxmlformats.org/drawingml/2006/main" name="Office Theme">
+  <a:themeElements>
+    <a:clrScheme name="Office">
+      <a:dk1>
+        <a:sysClr val="windowText" lastClr="000000"/>
+      </a:dk1>
+      <a:lt1>
+        <a:sysClr val="window" lastClr="FFFFFF"/>
+      </a:lt1>
+      <a:dk2>
+        <a:srgbClr val="0E2841"/>
+      </a:dk2>
+      <a:lt2>
+        <a:srgbClr val="E8E8E8"/>
+      </a:lt2>
+      <a:accent1>
+        <a:srgbClr val="156082"/>
+      </a:accent1>
+      <a:accent2>
+        <a:srgbClr val="E97132"/>
+      </a:accent2>
+      <a:accent3>
+        <a:srgbClr val="196B24"/>
+      </a:accent3>
+      <a:accent4>
+        <a:srgbClr val="0F9ED5"/>
+      </a:accent4>
+      <a:accent5>
+        <a:srgbClr val="A02B93"/>
+      </a:accent5>
+      <a:accent6>
+        <a:srgbClr val="4EA72E"/>
+      </a:accent6>
+      <a:hlink>
+        <a:srgbClr val="467886"/>
+      </a:hlink>
+      <a:folHlink>
+        <a:srgbClr val="96607D"/>
+      </a:folHlink>
+    </a:clrScheme>
+    <a:fontScheme name="Office">
+      <a:majorFont>
+        <a:latin typeface="Aptos Display" panose="02110004020202020204"/>
+        <a:ea typeface=""/>
+        <a:cs typeface=""/>
+        <a:font script="Jpan" typeface="游ゴシック Light"/>
+        <a:font script="Hang" typeface="맑은 고딕"/>
+        <a:font script="Hans" typeface="等线 Light"/>
+        <a:font script="Hant" typeface="新細明體"/>
+        <a:font script="Arab" typeface="Times New Roman"/>
+        <a:font script="Hebr" typeface="Times New Roman"/>
+        <a:font script="Thai" typeface="Angsana New"/>
+        <a:font script="Ethi" typeface="Nyala"/>
+        <a:font script="Beng" typeface="Vrinda"/>
+        <a:font script="Gujr" typeface="Shruti"/>
+        <a:font script="Khmr" typeface="MoolBoran"/>
+        <a:font script="Knda" typeface="Tunga"/>
+        <a:font script="Guru" typeface="Raavi"/>
+        <a:font script="Cans" typeface="Euphemia"/>
+        <a:font script="Cher" typeface="Plantagenet Cherokee"/>
+        <a:font script="Yiii" typeface="Microsoft Yi Baiti"/>
+        <a:font script="Tibt" typeface="Microsoft Himalaya"/>
+        <a:font script="Thaa" typeface="MV Boli"/>
+        <a:font script="Deva" typeface="Mangal"/>
+        <a:font script="Telu" typeface="Gautami"/>
+        <a:font script="Taml" typeface="Latha"/>
+        <a:font script="Syrc" typeface="Estrangelo Edessa"/>
+        <a:font script="Orya" typeface="Kalinga"/>
+        <a:font script="Mlym" typeface="Kartika"/>
+        <a:font script="Laoo" typeface="DokChampa"/>
+        <a:font script="Sinh" typeface="Iskoola Pota"/>
+        <a:font script="Mong" typeface="Mongolian Baiti"/>
+        <a:font script="Viet" typeface="Times New Roman"/>
+        <a:font script="Uigh" typeface="Microsoft Uighur"/>
+        <a:font script="Geor" typeface="Sylfaen"/>
+        <a:font script="Armn" typeface="Arial"/>
+        <a:font script="Bugi" typeface="Leelawadee UI"/>
+        <a:font script="Bopo" typeface="Microsoft JhengHei"/>
+        <a:font script="Java" typeface="Javanese Text"/>
+        <a:font script="Lisu" typeface="Segoe UI"/>
+        <a:font script="Mymr" typeface="Myanmar Text"/>
+        <a:font script="Nkoo" typeface="Ebrima"/>
+        <a:font script="Olck" typeface="Nirmala UI"/>
+        <a:font script="Osma" typeface="Ebrima"/>
+        <a:font script="Phag" typeface="Phagspa"/>
+        <a:font script="Syrn" typeface="Estrangelo Edessa"/>
+        <a:font script="Syrj" typeface="Estrangelo Edessa"/>
+        <a:font script="Syre" typeface="Estrangelo Edessa"/>
+        <a:font script="Sora" typeface="Nirmala UI"/>
+        <a:font script="Tale" typeface="Microsoft Tai Le"/>
+        <a:font script="Talu" typeface="Microsoft New Tai Lue"/>
+        <a:font script="Tfng" typeface="Ebrima"/>
+      </a:majorFont>
+      <a:minorFont>
+        <a:latin typeface="Aptos" panose="02110004020202020204"/>
+        <a:ea typeface=""/>
+        <a:cs typeface=""/>
+        <a:font script="Jpan" typeface="游ゴシック"/>
+        <a:font script="Hang" typeface="맑은 고딕"/>
+        <a:font script="Hans" typeface="等线"/>
+        <a:font script="Hant" typeface="新細明體"/>
+        <a:font script="Arab" typeface="Arial"/>
+        <a:font script="Hebr" typeface="Arial"/>
+        <a:font script="Thai" typeface="Cordia New"/>
+        <a:font script="Ethi" typeface="Nyala"/>
+        <a:font script="Beng" typeface="Vrinda"/>
+        <a:font script="Gujr" typeface="Shruti"/>
+        <a:font script="Khmr" typeface="DaunPenh"/>
+        <a:font script="Knda" typeface="Tunga"/>
+        <a:font script="Guru" typeface="Raavi"/>
+        <a:font script="Cans" typeface="Euphemia"/>
+        <a:font script="Cher" typeface="Plantagenet Cherokee"/>
+        <a:font script="Yiii" typeface="Microsoft Yi Baiti"/>
+        <a:font script="Tibt" typeface="Microsoft Himalaya"/>
+        <a:font script="Thaa" typeface="MV Boli"/>
+        <a:font script="Deva" typeface="Mangal"/>
+        <a:font script="Telu" typeface="Gautami"/>
+        <a:font script="Taml" typeface="Latha"/>
+        <a:font script="Syrc" typeface="Estrangelo Edessa"/>
+        <a:font script="Orya" typeface="Kalinga"/>
+        <a:font script="Mlym" typeface="Kartika"/>
+        <a:font script="Laoo" typeface="DokChampa"/>
+        <a:font script="Sinh" typeface="Iskoola Pota"/>
+        <a:font script="Mong" typeface="Mongolian Baiti"/>
+        <a:font script="Viet" typeface="Arial"/>
+        <a:font script="Uigh" typeface="Microsoft Uighur"/>
+        <a:font script="Geor" typeface="Sylfaen"/>
+        <a:font script="Armn" typeface="Arial"/>
+        <a:font script="Bugi" typeface="Leelawadee UI"/>
+        <a:font script="Bopo" typeface="Microsoft JhengHei"/>
+        <a:font script="Java" typeface="Javanese Text"/>
+        <a:font script="Lisu" typeface="Segoe UI"/>
+        <a:font script="Mymr" typeface="Myanmar Text"/>
+        <a:font script="Nkoo" typeface="Ebrima"/>
+        <a:font script="Olck" typeface="Nirmala UI"/>
+        <a:font script="Osma" typeface="Ebrima"/>
+        <a:font script="Phag" typeface="Phagspa"/>
+        <a:font script="Syrn" typeface="Estrangelo Edessa"/>
+        <a:font script="Syrj" typeface="Estrangelo Edessa"/>
+        <a:font script="Syre" typeface="Estrangelo Edessa"/>
+        <a:font script="Sora" typeface="Nirmala UI"/>
+        <a:font script="Tale" typeface="Microsoft Tai Le"/>
+        <a:font script="Talu" typeface="Microsoft New Tai Lue"/>
+        <a:font script="Tfng" typeface="Ebrima"/>
+      </a:minorFont>
+    </a:fontScheme>
+    <a:fmtScheme name="Office">
+      <a:fillStyleLst>
+        <a:solidFill>
+          <a:schemeClr val="phClr"/>
+        </a:solidFill>
+        <a:gradFill rotWithShape="1">
+          <a:gsLst>
+            <a:gs pos="0">
+              <a:schemeClr val="phClr">
+                <a:lumMod val="110000"/>
+                <a:satMod val="105000"/>
+                <a:tint val="67000"/>
+              </a:schemeClr>
+            </a:gs>
+            <a:gs pos="50000">
+              <a:schemeClr val="phClr">
+                <a:lumMod val="105000"/>
+                <a:satMod val="103000"/>
+                <a:tint val="73000"/>
+              </a:schemeClr>
+            </a:gs>
+            <a:gs pos="100000">
+              <a:schemeClr val="phClr">
+                <a:lumMod val="105000"/>
+                <a:satMod val="109000"/>
+                <a:tint val="81000"/>
+              </a:schemeClr>
+            </a:gs>
+          </a:gsLst>
+          <a:lin ang="5400000" scaled="0"/>
+        </a:gradFill>
+        <a:gradFill rotWithShape="1">
+          <a:gsLst>
+            <a:gs pos="0">
+              <a:schemeClr val="phClr">
+                <a:satMod val="103000"/>
+                <a:lumMod val="102000"/>
+                <a:tint val="94000"/>
+              </a:schemeClr>
+            </a:gs>
+            <a:gs pos="50000">
+              <a:schemeClr val="phClr">
+                <a:satMod val="110000"/>
+                <a:lumMod val="100000"/>
+                <a:shade val="100000"/>
+              </a:schemeClr>
+            </a:gs>
+            <a:gs pos="100000">
+              <a:schemeClr val="phClr">
+                <a:lumMod val="99000"/>
+                <a:satMod val="120000"/>
+                <a:shade val="78000"/>
+              </a:schemeClr>
+            </a:gs>
+          </a:gsLst>
+          <a:lin ang="5400000" scaled="0"/>
+        </a:gradFill>
+      </a:fillStyleLst>
+      <a:lnStyleLst>
+        <a:ln w="12700" cap="flat" cmpd="sng" algn="ctr">
+          <a:solidFill>
+            <a:schemeClr val="phClr"/>
+          </a:solidFill>
+          <a:prstDash val="solid"/>
+          <a:miter lim="800000"/>
+        </a:ln>
+        <a:ln w="19050" cap="flat" cmpd="sng" algn="ctr">
+          <a:solidFill>
+            <a:schemeClr val="phClr"/>
+          </a:solidFill>
+          <a:prstDash val="solid"/>
+          <a:miter lim="800000"/>
+        </a:ln>
+        <a:ln w="25400" cap="flat" cmpd="sng" algn="ctr">
+          <a:solidFill>
+            <a:schemeClr val="phClr"/>
+          </a:solidFill>
+          <a:prstDash val="solid"/>
+          <a:miter lim="800000"/>
+        </a:ln>
+      </a:lnStyleLst>
+      <a:effectStyleLst>
+        <a:effectStyle>
+          <a:effectLst/>
+        </a:effectStyle>
+        <a:effectStyle>
+          <a:effectLst/>
+        </a:effectStyle>
+        <a:effectStyle>
+          <a:effectLst>
+            <a:outerShdw blurRad="57150" dist="19050" dir="5400000" algn="ctr" rotWithShape="0">
+              <a:srgbClr val="000000">
+                <a:alpha val="63000"/>
+              </a:srgbClr>
+            </a:outerShdw>
+          </a:effectLst>
+        </a:effectStyle>
+      </a:effectStyleLst>
+      <a:bgFillStyleLst>
+        <a:solidFill>
+          <a:schemeClr val="phClr"/>
+        </a:solidFill>
+        <a:solidFill>
+          <a:schemeClr val="phClr">
+            <a:tint val="95000"/>
+            <a:satMod val="170000"/>
+          </a:schemeClr>
+        </a:solidFill>
+        <a:gradFill rotWithShape="1">
+          <a:gsLst>
+            <a:gs pos="0">
+              <a:schemeClr val="phClr">
+                <a:tint val="93000"/>
+                <a:satMod val="150000"/>
+                <a:shade val="98000"/>
+                <a:lumMod val="102000"/>
+              </a:schemeClr>
+            </a:gs>
+            <a:gs pos="50000">
+              <a:schemeClr val="phClr">
+                <a:tint val="98000"/>
+                <a:satMod val="130000"/>
+                <a:shade val="90000"/>
+                <a:lumMod val="103000"/>
+              </a:schemeClr>
+            </a:gs>
+            <a:gs pos="100000">
+              <a:schemeClr val="phClr">
+                <a:shade val="63000"/>
+                <a:satMod val="120000"/>
+              </a:schemeClr>
+            </a:gs>
+          </a:gsLst>
+          <a:lin ang="5400000" scaled="0"/>
+        </a:gradFill>
+      </a:bgFillStyleLst>
+    </a:fmtScheme>
+  </a:themeElements>
+  <a:objectDefaults>
+    <a:lnDef>
+      <a:spPr/>
+      <a:bodyPr/>
+      <a:lstStyle/>
+      <a:style>
+        <a:lnRef idx="2">
+          <a:schemeClr val="accent1"/>
+        </a:lnRef>
+        <a:fillRef idx="0">
+          <a:schemeClr val="accent1"/>
+        </a:fillRef>
+        <a:effectRef idx="1">
+          <a:schemeClr val="accent1"/>
+        </a:effectRef>
+        <a:fontRef idx="minor">
+          <a:schemeClr val="tx1"/>
+        </a:fontRef>
+      </a:style>
+    </a:lnDef>
+  </a:objectDefaults>
+  <a:extraClrSchemeLst/>
+  <a:extLst>
+    <a:ext uri="{05A4C25C-085E-4340-85A3-A5531E510DB2}">
+      <thm15:themeFamily xmlns:thm15="http://schemas.microsoft.com/office/thememl/2012/main" name="Office Theme" id="{2E142A2C-CD16-42D6-873A-C26D2A0506FA}" vid="{1BDDFF52-6CD6-40A5-AB3C-68EB2F1E4D0A}"/>
+    </a:ext>
+  </a:extLst>
+</a:theme>
 </file>